--- a/splunk-bash.pptx
+++ b/splunk-bash.pptx
@@ -2,38 +2,39 @@
 <file path=ppt/presentation.xml><?xml version="1.0" encoding="utf-8"?>
 <p:presentation xmlns:a="http://schemas.openxmlformats.org/drawingml/2006/main" xmlns:r="http://schemas.openxmlformats.org/officeDocument/2006/relationships" xmlns:p="http://schemas.openxmlformats.org/presentationml/2006/main">
   <p:sldMasterIdLst>
-    <p:sldMasterId id="2147483648" r:id="rId5"/>
+    <p:sldMasterId id="2147483648" r:id="rId1"/>
   </p:sldMasterIdLst>
   <p:notesMasterIdLst>
-    <p:notesMasterId r:id="rId7"/>
+    <p:notesMasterId r:id="rId29"/>
   </p:notesMasterIdLst>
   <p:sldIdLst>
-    <p:sldId id="256" r:id="rId8"/>
-    <p:sldId id="257" r:id="rId9"/>
-    <p:sldId id="258" r:id="rId10"/>
-    <p:sldId id="259" r:id="rId11"/>
-    <p:sldId id="260" r:id="rId12"/>
-    <p:sldId id="261" r:id="rId13"/>
-    <p:sldId id="262" r:id="rId14"/>
-    <p:sldId id="263" r:id="rId15"/>
-    <p:sldId id="264" r:id="rId16"/>
-    <p:sldId id="265" r:id="rId17"/>
-    <p:sldId id="266" r:id="rId18"/>
-    <p:sldId id="267" r:id="rId19"/>
-    <p:sldId id="268" r:id="rId20"/>
-    <p:sldId id="269" r:id="rId21"/>
-    <p:sldId id="270" r:id="rId22"/>
-    <p:sldId id="271" r:id="rId23"/>
-    <p:sldId id="272" r:id="rId24"/>
-    <p:sldId id="273" r:id="rId25"/>
-    <p:sldId id="274" r:id="rId26"/>
-    <p:sldId id="275" r:id="rId27"/>
-    <p:sldId id="276" r:id="rId28"/>
-    <p:sldId id="277" r:id="rId29"/>
-    <p:sldId id="278" r:id="rId30"/>
-    <p:sldId id="279" r:id="rId31"/>
-    <p:sldId id="280" r:id="rId32"/>
-    <p:sldId id="281" r:id="rId33"/>
+    <p:sldId id="256" r:id="rId2"/>
+    <p:sldId id="257" r:id="rId3"/>
+    <p:sldId id="258" r:id="rId4"/>
+    <p:sldId id="259" r:id="rId5"/>
+    <p:sldId id="260" r:id="rId6"/>
+    <p:sldId id="261" r:id="rId7"/>
+    <p:sldId id="262" r:id="rId8"/>
+    <p:sldId id="263" r:id="rId9"/>
+    <p:sldId id="264" r:id="rId10"/>
+    <p:sldId id="265" r:id="rId11"/>
+    <p:sldId id="266" r:id="rId12"/>
+    <p:sldId id="267" r:id="rId13"/>
+    <p:sldId id="268" r:id="rId14"/>
+    <p:sldId id="269" r:id="rId15"/>
+    <p:sldId id="270" r:id="rId16"/>
+    <p:sldId id="271" r:id="rId17"/>
+    <p:sldId id="272" r:id="rId18"/>
+    <p:sldId id="273" r:id="rId19"/>
+    <p:sldId id="274" r:id="rId20"/>
+    <p:sldId id="275" r:id="rId21"/>
+    <p:sldId id="276" r:id="rId22"/>
+    <p:sldId id="277" r:id="rId23"/>
+    <p:sldId id="278" r:id="rId24"/>
+    <p:sldId id="279" r:id="rId25"/>
+    <p:sldId id="280" r:id="rId26"/>
+    <p:sldId id="282" r:id="rId27"/>
+    <p:sldId id="281" r:id="rId28"/>
   </p:sldIdLst>
   <p:sldSz cx="13004800" cy="9753600"/>
   <p:notesSz cx="6858000" cy="9144000"/>
@@ -53,7 +54,7 @@
       <a:buFontTx/>
       <a:buNone/>
       <a:tabLst/>
-      <a:defRPr b="0" baseline="0" cap="none" i="0" spc="0" strike="noStrike" sz="1800" u="none" kumimoji="0" normalizeH="0">
+      <a:defRPr kumimoji="0" sz="1800" b="0" i="0" u="none" strike="noStrike" cap="none" spc="0" normalizeH="0" baseline="0">
         <a:ln>
           <a:noFill/>
         </a:ln>
@@ -79,7 +80,7 @@
       <a:buFontTx/>
       <a:buNone/>
       <a:tabLst/>
-      <a:defRPr b="1" baseline="0" cap="none" i="0" spc="0" strike="noStrike" sz="2400" u="none" kumimoji="0" normalizeH="0">
+      <a:defRPr kumimoji="0" sz="2400" b="1" i="0" u="none" strike="noStrike" cap="none" spc="0" normalizeH="0" baseline="0">
         <a:ln>
           <a:noFill/>
         </a:ln>
@@ -109,7 +110,7 @@
       <a:buFontTx/>
       <a:buNone/>
       <a:tabLst/>
-      <a:defRPr b="1" baseline="0" cap="none" i="0" spc="0" strike="noStrike" sz="2400" u="none" kumimoji="0" normalizeH="0">
+      <a:defRPr kumimoji="0" sz="2400" b="1" i="0" u="none" strike="noStrike" cap="none" spc="0" normalizeH="0" baseline="0">
         <a:ln>
           <a:noFill/>
         </a:ln>
@@ -139,7 +140,7 @@
       <a:buFontTx/>
       <a:buNone/>
       <a:tabLst/>
-      <a:defRPr b="1" baseline="0" cap="none" i="0" spc="0" strike="noStrike" sz="2400" u="none" kumimoji="0" normalizeH="0">
+      <a:defRPr kumimoji="0" sz="2400" b="1" i="0" u="none" strike="noStrike" cap="none" spc="0" normalizeH="0" baseline="0">
         <a:ln>
           <a:noFill/>
         </a:ln>
@@ -169,7 +170,7 @@
       <a:buFontTx/>
       <a:buNone/>
       <a:tabLst/>
-      <a:defRPr b="1" baseline="0" cap="none" i="0" spc="0" strike="noStrike" sz="2400" u="none" kumimoji="0" normalizeH="0">
+      <a:defRPr kumimoji="0" sz="2400" b="1" i="0" u="none" strike="noStrike" cap="none" spc="0" normalizeH="0" baseline="0">
         <a:ln>
           <a:noFill/>
         </a:ln>
@@ -199,7 +200,7 @@
       <a:buFontTx/>
       <a:buNone/>
       <a:tabLst/>
-      <a:defRPr b="1" baseline="0" cap="none" i="0" spc="0" strike="noStrike" sz="2400" u="none" kumimoji="0" normalizeH="0">
+      <a:defRPr kumimoji="0" sz="2400" b="1" i="0" u="none" strike="noStrike" cap="none" spc="0" normalizeH="0" baseline="0">
         <a:ln>
           <a:noFill/>
         </a:ln>
@@ -229,7 +230,7 @@
       <a:buFontTx/>
       <a:buNone/>
       <a:tabLst/>
-      <a:defRPr b="1" baseline="0" cap="none" i="0" spc="0" strike="noStrike" sz="2400" u="none" kumimoji="0" normalizeH="0">
+      <a:defRPr kumimoji="0" sz="2400" b="1" i="0" u="none" strike="noStrike" cap="none" spc="0" normalizeH="0" baseline="0">
         <a:ln>
           <a:noFill/>
         </a:ln>
@@ -259,7 +260,7 @@
       <a:buFontTx/>
       <a:buNone/>
       <a:tabLst/>
-      <a:defRPr b="1" baseline="0" cap="none" i="0" spc="0" strike="noStrike" sz="2400" u="none" kumimoji="0" normalizeH="0">
+      <a:defRPr kumimoji="0" sz="2400" b="1" i="0" u="none" strike="noStrike" cap="none" spc="0" normalizeH="0" baseline="0">
         <a:ln>
           <a:noFill/>
         </a:ln>
@@ -289,7 +290,7 @@
       <a:buFontTx/>
       <a:buNone/>
       <a:tabLst/>
-      <a:defRPr b="1" baseline="0" cap="none" i="0" spc="0" strike="noStrike" sz="2400" u="none" kumimoji="0" normalizeH="0">
+      <a:defRPr kumimoji="0" sz="2400" b="1" i="0" u="none" strike="noStrike" cap="none" spc="0" normalizeH="0" baseline="0">
         <a:ln>
           <a:noFill/>
         </a:ln>
@@ -319,7 +320,7 @@
       <a:buFontTx/>
       <a:buNone/>
       <a:tabLst/>
-      <a:defRPr b="1" baseline="0" cap="none" i="0" spc="0" strike="noStrike" sz="2400" u="none" kumimoji="0" normalizeH="0">
+      <a:defRPr kumimoji="0" sz="2400" b="1" i="0" u="none" strike="noStrike" cap="none" spc="0" normalizeH="0" baseline="0">
         <a:ln>
           <a:noFill/>
         </a:ln>
@@ -338,13 +339,14 @@
 </p:presentation>
 </file>
 
-<file path=ppt/commentAuthors.xml><?xml version="1.0" encoding="utf-8"?>
-<p:cmAuthorLst xmlns:a="http://schemas.openxmlformats.org/drawingml/2006/main" xmlns:r="http://schemas.openxmlformats.org/officeDocument/2006/relationships" xmlns:p="http://schemas.openxmlformats.org/presentationml/2006/main"/>
-</file>
-
 <file path=ppt/notesMasters/notesMaster1.xml><?xml version="1.0" encoding="utf-8"?>
 <p:notesMaster xmlns:a="http://schemas.openxmlformats.org/drawingml/2006/main" xmlns:r="http://schemas.openxmlformats.org/officeDocument/2006/relationships" xmlns:p="http://schemas.openxmlformats.org/presentationml/2006/main">
   <p:cSld>
+    <p:bg>
+      <p:bgRef idx="1001">
+        <a:schemeClr val="bg1"/>
+      </p:bgRef>
+    </p:bg>
     <p:spTree>
       <p:nvGrpSpPr>
         <p:cNvPr id="1" name=""/>
@@ -362,7 +364,9 @@
       <p:sp>
         <p:nvSpPr>
           <p:cNvPr id="116" name="Shape 116"/>
-          <p:cNvSpPr/>
+          <p:cNvSpPr>
+            <a:spLocks noGrp="1" noRot="1" noChangeAspect="1"/>
+          </p:cNvSpPr>
           <p:nvPr>
             <p:ph type="sldImg"/>
           </p:nvPr>
@@ -380,14 +384,16 @@
           <a:bodyPr/>
           <a:lstStyle/>
           <a:p>
-            <a:pPr/>
+            <a:endParaRPr/>
           </a:p>
         </p:txBody>
       </p:sp>
       <p:sp>
         <p:nvSpPr>
           <p:cNvPr id="117" name="Shape 117"/>
-          <p:cNvSpPr/>
+          <p:cNvSpPr>
+            <a:spLocks noGrp="1"/>
+          </p:cNvSpPr>
           <p:nvPr>
             <p:ph type="body" sz="quarter" idx="1"/>
           </p:nvPr>
@@ -405,7 +411,7 @@
           <a:bodyPr/>
           <a:lstStyle/>
           <a:p>
-            <a:pPr/>
+            <a:endParaRPr/>
           </a:p>
         </p:txBody>
       </p:sp>
@@ -517,7 +523,7 @@
 </file>
 
 <file path=ppt/slideLayouts/slideLayout1.xml><?xml version="1.0" encoding="utf-8"?>
-<p:sldLayout xmlns:a="http://schemas.openxmlformats.org/drawingml/2006/main" xmlns:r="http://schemas.openxmlformats.org/officeDocument/2006/relationships" xmlns:p="http://schemas.openxmlformats.org/presentationml/2006/main" type="title" showMasterSp="1" showMasterPhAnim="1">
+<p:sldLayout xmlns:a="http://schemas.openxmlformats.org/drawingml/2006/main" xmlns:r="http://schemas.openxmlformats.org/officeDocument/2006/relationships" xmlns:p="http://schemas.openxmlformats.org/presentationml/2006/main" type="title">
   <p:cSld name="Title &amp; Subtitle">
     <p:spTree>
       <p:nvGrpSpPr>
@@ -536,7 +542,9 @@
       <p:sp>
         <p:nvSpPr>
           <p:cNvPr id="11" name="Title Text"/>
-          <p:cNvSpPr txBox="1"/>
+          <p:cNvSpPr txBox="1">
+            <a:spLocks noGrp="1"/>
+          </p:cNvSpPr>
           <p:nvPr>
             <p:ph type="title"/>
           </p:nvPr>
@@ -554,7 +562,6 @@
           <a:bodyPr anchor="b"/>
           <a:lstStyle/>
           <a:p>
-            <a:pPr/>
             <a:r>
               <a:t>Title Text</a:t>
             </a:r>
@@ -564,7 +571,9 @@
       <p:sp>
         <p:nvSpPr>
           <p:cNvPr id="12" name="Body Level One…"/>
-          <p:cNvSpPr txBox="1"/>
+          <p:cNvSpPr txBox="1">
+            <a:spLocks noGrp="1"/>
+          </p:cNvSpPr>
           <p:nvPr>
             <p:ph type="body" sz="quarter" idx="1"/>
           </p:nvPr>
@@ -623,7 +632,6 @@
             </a:lvl5pPr>
           </a:lstStyle>
           <a:p>
-            <a:pPr/>
             <a:r>
               <a:t>Body Level One</a:t>
             </a:r>
@@ -657,7 +665,9 @@
       <p:sp>
         <p:nvSpPr>
           <p:cNvPr id="13" name="Slide Number"/>
-          <p:cNvSpPr txBox="1"/>
+          <p:cNvSpPr txBox="1">
+            <a:spLocks noGrp="1"/>
+          </p:cNvSpPr>
           <p:nvPr>
             <p:ph type="sldNum" sz="quarter" idx="2"/>
           </p:nvPr>
@@ -680,8 +690,10 @@
             </a:lvl1pPr>
           </a:lstStyle>
           <a:p>
-            <a:pPr/>
-            <a:fld id="{86CB4B4D-7CA3-9044-876B-883B54F8677D}" type="slidenum"/>
+            <a:fld id="{86CB4B4D-7CA3-9044-876B-883B54F8677D}" type="slidenum">
+              <a:t>‹#›</a:t>
+            </a:fld>
+            <a:endParaRPr/>
           </a:p>
         </p:txBody>
       </p:sp>
@@ -690,12 +702,12 @@
   <p:clrMapOvr>
     <a:masterClrMapping/>
   </p:clrMapOvr>
-  <p:transition xmlns:p14="http://schemas.microsoft.com/office/powerpoint/2010/main" spd="med" advClick="1"/>
+  <p:transition spd="med"/>
 </p:sldLayout>
 </file>
 
 <file path=ppt/slideLayouts/slideLayout10.xml><?xml version="1.0" encoding="utf-8"?>
-<p:sldLayout xmlns:a="http://schemas.openxmlformats.org/drawingml/2006/main" xmlns:r="http://schemas.openxmlformats.org/officeDocument/2006/relationships" xmlns:p="http://schemas.openxmlformats.org/presentationml/2006/main" type="tx" showMasterSp="1" showMasterPhAnim="1">
+<p:sldLayout xmlns:a="http://schemas.openxmlformats.org/drawingml/2006/main" xmlns:r="http://schemas.openxmlformats.org/officeDocument/2006/relationships" xmlns:p="http://schemas.openxmlformats.org/presentationml/2006/main" type="tx">
   <p:cSld name="Quote">
     <p:spTree>
       <p:nvGrpSpPr>
@@ -714,7 +726,9 @@
       <p:sp>
         <p:nvSpPr>
           <p:cNvPr id="93" name="–Johnny Appleseed"/>
-          <p:cNvSpPr txBox="1"/>
+          <p:cNvSpPr txBox="1">
+            <a:spLocks noGrp="1"/>
+          </p:cNvSpPr>
           <p:nvPr>
             <p:ph type="body" sz="quarter" idx="13"/>
           </p:nvPr>
@@ -739,11 +753,10 @@
               </a:spcBef>
               <a:buSzTx/>
               <a:buNone/>
-              <a:defRPr i="1" sz="2400"/>
+              <a:defRPr sz="2400" i="1"/>
             </a:lvl1pPr>
           </a:lstStyle>
           <a:p>
-            <a:pPr/>
             <a:r>
               <a:t>–Johnny Appleseed</a:t>
             </a:r>
@@ -753,7 +766,9 @@
       <p:sp>
         <p:nvSpPr>
           <p:cNvPr id="94" name="“Type a quote here.”"/>
-          <p:cNvSpPr txBox="1"/>
+          <p:cNvSpPr txBox="1">
+            <a:spLocks noGrp="1"/>
+          </p:cNvSpPr>
           <p:nvPr>
             <p:ph type="body" sz="quarter" idx="14"/>
           </p:nvPr>
@@ -787,7 +802,6 @@
             </a:lvl1pPr>
           </a:lstStyle>
           <a:p>
-            <a:pPr/>
             <a:r>
               <a:t>“Type a quote here.” </a:t>
             </a:r>
@@ -797,7 +811,9 @@
       <p:sp>
         <p:nvSpPr>
           <p:cNvPr id="95" name="Slide Number"/>
-          <p:cNvSpPr txBox="1"/>
+          <p:cNvSpPr txBox="1">
+            <a:spLocks noGrp="1"/>
+          </p:cNvSpPr>
           <p:nvPr>
             <p:ph type="sldNum" sz="quarter" idx="2"/>
           </p:nvPr>
@@ -811,8 +827,10 @@
           <a:bodyPr/>
           <a:lstStyle/>
           <a:p>
-            <a:pPr/>
-            <a:fld id="{86CB4B4D-7CA3-9044-876B-883B54F8677D}" type="slidenum"/>
+            <a:fld id="{86CB4B4D-7CA3-9044-876B-883B54F8677D}" type="slidenum">
+              <a:t>‹#›</a:t>
+            </a:fld>
+            <a:endParaRPr/>
           </a:p>
         </p:txBody>
       </p:sp>
@@ -821,12 +839,12 @@
   <p:clrMapOvr>
     <a:masterClrMapping/>
   </p:clrMapOvr>
-  <p:transition xmlns:p14="http://schemas.microsoft.com/office/powerpoint/2010/main" spd="med" advClick="1"/>
+  <p:transition spd="med"/>
 </p:sldLayout>
 </file>
 
 <file path=ppt/slideLayouts/slideLayout11.xml><?xml version="1.0" encoding="utf-8"?>
-<p:sldLayout xmlns:a="http://schemas.openxmlformats.org/drawingml/2006/main" xmlns:r="http://schemas.openxmlformats.org/officeDocument/2006/relationships" xmlns:p="http://schemas.openxmlformats.org/presentationml/2006/main" type="tx" showMasterSp="1" showMasterPhAnim="1">
+<p:sldLayout xmlns:a="http://schemas.openxmlformats.org/drawingml/2006/main" xmlns:r="http://schemas.openxmlformats.org/officeDocument/2006/relationships" xmlns:p="http://schemas.openxmlformats.org/presentationml/2006/main" type="tx">
   <p:cSld name="Photo">
     <p:spTree>
       <p:nvGrpSpPr>
@@ -845,7 +863,9 @@
       <p:sp>
         <p:nvSpPr>
           <p:cNvPr id="102" name="Image"/>
-          <p:cNvSpPr/>
+          <p:cNvSpPr>
+            <a:spLocks noGrp="1"/>
+          </p:cNvSpPr>
           <p:nvPr>
             <p:ph type="pic" idx="13"/>
           </p:nvPr>
@@ -865,14 +885,16 @@
           </a:bodyPr>
           <a:lstStyle/>
           <a:p>
-            <a:pPr/>
+            <a:endParaRPr/>
           </a:p>
         </p:txBody>
       </p:sp>
       <p:sp>
         <p:nvSpPr>
           <p:cNvPr id="103" name="Slide Number"/>
-          <p:cNvSpPr txBox="1"/>
+          <p:cNvSpPr txBox="1">
+            <a:spLocks noGrp="1"/>
+          </p:cNvSpPr>
           <p:nvPr>
             <p:ph type="sldNum" sz="quarter" idx="2"/>
           </p:nvPr>
@@ -886,8 +908,10 @@
           <a:bodyPr/>
           <a:lstStyle/>
           <a:p>
-            <a:pPr/>
-            <a:fld id="{86CB4B4D-7CA3-9044-876B-883B54F8677D}" type="slidenum"/>
+            <a:fld id="{86CB4B4D-7CA3-9044-876B-883B54F8677D}" type="slidenum">
+              <a:t>‹#›</a:t>
+            </a:fld>
+            <a:endParaRPr/>
           </a:p>
         </p:txBody>
       </p:sp>
@@ -896,12 +920,12 @@
   <p:clrMapOvr>
     <a:masterClrMapping/>
   </p:clrMapOvr>
-  <p:transition xmlns:p14="http://schemas.microsoft.com/office/powerpoint/2010/main" spd="med" advClick="1"/>
+  <p:transition spd="med"/>
 </p:sldLayout>
 </file>
 
 <file path=ppt/slideLayouts/slideLayout12.xml><?xml version="1.0" encoding="utf-8"?>
-<p:sldLayout xmlns:a="http://schemas.openxmlformats.org/drawingml/2006/main" xmlns:r="http://schemas.openxmlformats.org/officeDocument/2006/relationships" xmlns:p="http://schemas.openxmlformats.org/presentationml/2006/main" type="tx" showMasterSp="1" showMasterPhAnim="1">
+<p:sldLayout xmlns:a="http://schemas.openxmlformats.org/drawingml/2006/main" xmlns:r="http://schemas.openxmlformats.org/officeDocument/2006/relationships" xmlns:p="http://schemas.openxmlformats.org/presentationml/2006/main" type="tx">
   <p:cSld name="Blank">
     <p:spTree>
       <p:nvGrpSpPr>
@@ -920,7 +944,9 @@
       <p:sp>
         <p:nvSpPr>
           <p:cNvPr id="110" name="Slide Number"/>
-          <p:cNvSpPr txBox="1"/>
+          <p:cNvSpPr txBox="1">
+            <a:spLocks noGrp="1"/>
+          </p:cNvSpPr>
           <p:nvPr>
             <p:ph type="sldNum" sz="quarter" idx="2"/>
           </p:nvPr>
@@ -934,8 +960,10 @@
           <a:bodyPr/>
           <a:lstStyle/>
           <a:p>
-            <a:pPr/>
-            <a:fld id="{86CB4B4D-7CA3-9044-876B-883B54F8677D}" type="slidenum"/>
+            <a:fld id="{86CB4B4D-7CA3-9044-876B-883B54F8677D}" type="slidenum">
+              <a:t>‹#›</a:t>
+            </a:fld>
+            <a:endParaRPr/>
           </a:p>
         </p:txBody>
       </p:sp>
@@ -944,12 +972,12 @@
   <p:clrMapOvr>
     <a:masterClrMapping/>
   </p:clrMapOvr>
-  <p:transition xmlns:p14="http://schemas.microsoft.com/office/powerpoint/2010/main" spd="med" advClick="1"/>
+  <p:transition spd="med"/>
 </p:sldLayout>
 </file>
 
 <file path=ppt/slideLayouts/slideLayout2.xml><?xml version="1.0" encoding="utf-8"?>
-<p:sldLayout xmlns:a="http://schemas.openxmlformats.org/drawingml/2006/main" xmlns:r="http://schemas.openxmlformats.org/officeDocument/2006/relationships" xmlns:p="http://schemas.openxmlformats.org/presentationml/2006/main" type="tx" showMasterSp="1" showMasterPhAnim="1">
+<p:sldLayout xmlns:a="http://schemas.openxmlformats.org/drawingml/2006/main" xmlns:r="http://schemas.openxmlformats.org/officeDocument/2006/relationships" xmlns:p="http://schemas.openxmlformats.org/presentationml/2006/main" type="tx">
   <p:cSld name="Photo - Horizontal">
     <p:spTree>
       <p:nvGrpSpPr>
@@ -968,7 +996,9 @@
       <p:sp>
         <p:nvSpPr>
           <p:cNvPr id="20" name="Image"/>
-          <p:cNvSpPr/>
+          <p:cNvSpPr>
+            <a:spLocks noGrp="1"/>
+          </p:cNvSpPr>
           <p:nvPr>
             <p:ph type="pic" idx="13"/>
           </p:nvPr>
@@ -988,14 +1018,16 @@
           </a:bodyPr>
           <a:lstStyle/>
           <a:p>
-            <a:pPr/>
+            <a:endParaRPr/>
           </a:p>
         </p:txBody>
       </p:sp>
       <p:sp>
         <p:nvSpPr>
           <p:cNvPr id="21" name="Title Text"/>
-          <p:cNvSpPr txBox="1"/>
+          <p:cNvSpPr txBox="1">
+            <a:spLocks noGrp="1"/>
+          </p:cNvSpPr>
           <p:nvPr>
             <p:ph type="title"/>
           </p:nvPr>
@@ -1013,7 +1045,6 @@
           <a:bodyPr anchor="b"/>
           <a:lstStyle/>
           <a:p>
-            <a:pPr/>
             <a:r>
               <a:t>Title Text</a:t>
             </a:r>
@@ -1023,7 +1054,9 @@
       <p:sp>
         <p:nvSpPr>
           <p:cNvPr id="22" name="Body Level One…"/>
-          <p:cNvSpPr txBox="1"/>
+          <p:cNvSpPr txBox="1">
+            <a:spLocks noGrp="1"/>
+          </p:cNvSpPr>
           <p:nvPr>
             <p:ph type="body" sz="quarter" idx="1"/>
           </p:nvPr>
@@ -1082,7 +1115,6 @@
             </a:lvl5pPr>
           </a:lstStyle>
           <a:p>
-            <a:pPr/>
             <a:r>
               <a:t>Body Level One</a:t>
             </a:r>
@@ -1116,7 +1148,9 @@
       <p:sp>
         <p:nvSpPr>
           <p:cNvPr id="23" name="Slide Number"/>
-          <p:cNvSpPr txBox="1"/>
+          <p:cNvSpPr txBox="1">
+            <a:spLocks noGrp="1"/>
+          </p:cNvSpPr>
           <p:nvPr>
             <p:ph type="sldNum" sz="quarter" idx="2"/>
           </p:nvPr>
@@ -1130,8 +1164,10 @@
           <a:bodyPr/>
           <a:lstStyle/>
           <a:p>
-            <a:pPr/>
-            <a:fld id="{86CB4B4D-7CA3-9044-876B-883B54F8677D}" type="slidenum"/>
+            <a:fld id="{86CB4B4D-7CA3-9044-876B-883B54F8677D}" type="slidenum">
+              <a:t>‹#›</a:t>
+            </a:fld>
+            <a:endParaRPr/>
           </a:p>
         </p:txBody>
       </p:sp>
@@ -1140,12 +1176,12 @@
   <p:clrMapOvr>
     <a:masterClrMapping/>
   </p:clrMapOvr>
-  <p:transition xmlns:p14="http://schemas.microsoft.com/office/powerpoint/2010/main" spd="med" advClick="1"/>
+  <p:transition spd="med"/>
 </p:sldLayout>
 </file>
 
 <file path=ppt/slideLayouts/slideLayout3.xml><?xml version="1.0" encoding="utf-8"?>
-<p:sldLayout xmlns:a="http://schemas.openxmlformats.org/drawingml/2006/main" xmlns:r="http://schemas.openxmlformats.org/officeDocument/2006/relationships" xmlns:p="http://schemas.openxmlformats.org/presentationml/2006/main" type="tx" showMasterSp="1" showMasterPhAnim="1">
+<p:sldLayout xmlns:a="http://schemas.openxmlformats.org/drawingml/2006/main" xmlns:r="http://schemas.openxmlformats.org/officeDocument/2006/relationships" xmlns:p="http://schemas.openxmlformats.org/presentationml/2006/main" type="tx">
   <p:cSld name="Title - Center">
     <p:spTree>
       <p:nvGrpSpPr>
@@ -1164,7 +1200,9 @@
       <p:sp>
         <p:nvSpPr>
           <p:cNvPr id="30" name="Title Text"/>
-          <p:cNvSpPr txBox="1"/>
+          <p:cNvSpPr txBox="1">
+            <a:spLocks noGrp="1"/>
+          </p:cNvSpPr>
           <p:nvPr>
             <p:ph type="title"/>
           </p:nvPr>
@@ -1182,7 +1220,6 @@
           <a:bodyPr/>
           <a:lstStyle/>
           <a:p>
-            <a:pPr/>
             <a:r>
               <a:t>Title Text</a:t>
             </a:r>
@@ -1192,7 +1229,9 @@
       <p:sp>
         <p:nvSpPr>
           <p:cNvPr id="31" name="Slide Number"/>
-          <p:cNvSpPr txBox="1"/>
+          <p:cNvSpPr txBox="1">
+            <a:spLocks noGrp="1"/>
+          </p:cNvSpPr>
           <p:nvPr>
             <p:ph type="sldNum" sz="quarter" idx="2"/>
           </p:nvPr>
@@ -1206,8 +1245,10 @@
           <a:bodyPr/>
           <a:lstStyle/>
           <a:p>
-            <a:pPr/>
-            <a:fld id="{86CB4B4D-7CA3-9044-876B-883B54F8677D}" type="slidenum"/>
+            <a:fld id="{86CB4B4D-7CA3-9044-876B-883B54F8677D}" type="slidenum">
+              <a:t>‹#›</a:t>
+            </a:fld>
+            <a:endParaRPr/>
           </a:p>
         </p:txBody>
       </p:sp>
@@ -1216,12 +1257,12 @@
   <p:clrMapOvr>
     <a:masterClrMapping/>
   </p:clrMapOvr>
-  <p:transition xmlns:p14="http://schemas.microsoft.com/office/powerpoint/2010/main" spd="med" advClick="1"/>
+  <p:transition spd="med"/>
 </p:sldLayout>
 </file>
 
 <file path=ppt/slideLayouts/slideLayout4.xml><?xml version="1.0" encoding="utf-8"?>
-<p:sldLayout xmlns:a="http://schemas.openxmlformats.org/drawingml/2006/main" xmlns:r="http://schemas.openxmlformats.org/officeDocument/2006/relationships" xmlns:p="http://schemas.openxmlformats.org/presentationml/2006/main" type="tx" showMasterSp="1" showMasterPhAnim="1">
+<p:sldLayout xmlns:a="http://schemas.openxmlformats.org/drawingml/2006/main" xmlns:r="http://schemas.openxmlformats.org/officeDocument/2006/relationships" xmlns:p="http://schemas.openxmlformats.org/presentationml/2006/main" type="tx">
   <p:cSld name="Photo - Vertical">
     <p:spTree>
       <p:nvGrpSpPr>
@@ -1240,7 +1281,9 @@
       <p:sp>
         <p:nvSpPr>
           <p:cNvPr id="38" name="Image"/>
-          <p:cNvSpPr/>
+          <p:cNvSpPr>
+            <a:spLocks noGrp="1"/>
+          </p:cNvSpPr>
           <p:nvPr>
             <p:ph type="pic" sz="half" idx="13"/>
           </p:nvPr>
@@ -1260,14 +1303,16 @@
           </a:bodyPr>
           <a:lstStyle/>
           <a:p>
-            <a:pPr/>
+            <a:endParaRPr/>
           </a:p>
         </p:txBody>
       </p:sp>
       <p:sp>
         <p:nvSpPr>
           <p:cNvPr id="39" name="Title Text"/>
-          <p:cNvSpPr txBox="1"/>
+          <p:cNvSpPr txBox="1">
+            <a:spLocks noGrp="1"/>
+          </p:cNvSpPr>
           <p:nvPr>
             <p:ph type="title"/>
           </p:nvPr>
@@ -1289,7 +1334,6 @@
             </a:lvl1pPr>
           </a:lstStyle>
           <a:p>
-            <a:pPr/>
             <a:r>
               <a:t>Title Text</a:t>
             </a:r>
@@ -1299,7 +1343,9 @@
       <p:sp>
         <p:nvSpPr>
           <p:cNvPr id="40" name="Body Level One…"/>
-          <p:cNvSpPr txBox="1"/>
+          <p:cNvSpPr txBox="1">
+            <a:spLocks noGrp="1"/>
+          </p:cNvSpPr>
           <p:nvPr>
             <p:ph type="body" sz="quarter" idx="1"/>
           </p:nvPr>
@@ -1358,7 +1404,6 @@
             </a:lvl5pPr>
           </a:lstStyle>
           <a:p>
-            <a:pPr/>
             <a:r>
               <a:t>Body Level One</a:t>
             </a:r>
@@ -1392,7 +1437,9 @@
       <p:sp>
         <p:nvSpPr>
           <p:cNvPr id="41" name="Slide Number"/>
-          <p:cNvSpPr txBox="1"/>
+          <p:cNvSpPr txBox="1">
+            <a:spLocks noGrp="1"/>
+          </p:cNvSpPr>
           <p:nvPr>
             <p:ph type="sldNum" sz="quarter" idx="2"/>
           </p:nvPr>
@@ -1406,8 +1453,10 @@
           <a:bodyPr/>
           <a:lstStyle/>
           <a:p>
-            <a:pPr/>
-            <a:fld id="{86CB4B4D-7CA3-9044-876B-883B54F8677D}" type="slidenum"/>
+            <a:fld id="{86CB4B4D-7CA3-9044-876B-883B54F8677D}" type="slidenum">
+              <a:t>‹#›</a:t>
+            </a:fld>
+            <a:endParaRPr/>
           </a:p>
         </p:txBody>
       </p:sp>
@@ -1416,12 +1465,12 @@
   <p:clrMapOvr>
     <a:masterClrMapping/>
   </p:clrMapOvr>
-  <p:transition xmlns:p14="http://schemas.microsoft.com/office/powerpoint/2010/main" spd="med" advClick="1"/>
+  <p:transition spd="med"/>
 </p:sldLayout>
 </file>
 
 <file path=ppt/slideLayouts/slideLayout5.xml><?xml version="1.0" encoding="utf-8"?>
-<p:sldLayout xmlns:a="http://schemas.openxmlformats.org/drawingml/2006/main" xmlns:r="http://schemas.openxmlformats.org/officeDocument/2006/relationships" xmlns:p="http://schemas.openxmlformats.org/presentationml/2006/main" type="tx" showMasterSp="1" showMasterPhAnim="1">
+<p:sldLayout xmlns:a="http://schemas.openxmlformats.org/drawingml/2006/main" xmlns:r="http://schemas.openxmlformats.org/officeDocument/2006/relationships" xmlns:p="http://schemas.openxmlformats.org/presentationml/2006/main" type="tx">
   <p:cSld name="Title - Top">
     <p:spTree>
       <p:nvGrpSpPr>
@@ -1440,7 +1489,9 @@
       <p:sp>
         <p:nvSpPr>
           <p:cNvPr id="48" name="Title Text"/>
-          <p:cNvSpPr txBox="1"/>
+          <p:cNvSpPr txBox="1">
+            <a:spLocks noGrp="1"/>
+          </p:cNvSpPr>
           <p:nvPr>
             <p:ph type="title"/>
           </p:nvPr>
@@ -1454,7 +1505,6 @@
           <a:bodyPr/>
           <a:lstStyle/>
           <a:p>
-            <a:pPr/>
             <a:r>
               <a:t>Title Text</a:t>
             </a:r>
@@ -1464,7 +1514,9 @@
       <p:sp>
         <p:nvSpPr>
           <p:cNvPr id="49" name="Slide Number"/>
-          <p:cNvSpPr txBox="1"/>
+          <p:cNvSpPr txBox="1">
+            <a:spLocks noGrp="1"/>
+          </p:cNvSpPr>
           <p:nvPr>
             <p:ph type="sldNum" sz="quarter" idx="2"/>
           </p:nvPr>
@@ -1478,8 +1530,10 @@
           <a:bodyPr/>
           <a:lstStyle/>
           <a:p>
-            <a:pPr/>
-            <a:fld id="{86CB4B4D-7CA3-9044-876B-883B54F8677D}" type="slidenum"/>
+            <a:fld id="{86CB4B4D-7CA3-9044-876B-883B54F8677D}" type="slidenum">
+              <a:t>‹#›</a:t>
+            </a:fld>
+            <a:endParaRPr/>
           </a:p>
         </p:txBody>
       </p:sp>
@@ -1488,12 +1542,12 @@
   <p:clrMapOvr>
     <a:masterClrMapping/>
   </p:clrMapOvr>
-  <p:transition xmlns:p14="http://schemas.microsoft.com/office/powerpoint/2010/main" spd="med" advClick="1"/>
+  <p:transition spd="med"/>
 </p:sldLayout>
 </file>
 
 <file path=ppt/slideLayouts/slideLayout6.xml><?xml version="1.0" encoding="utf-8"?>
-<p:sldLayout xmlns:a="http://schemas.openxmlformats.org/drawingml/2006/main" xmlns:r="http://schemas.openxmlformats.org/officeDocument/2006/relationships" xmlns:p="http://schemas.openxmlformats.org/presentationml/2006/main" type="tx" showMasterSp="1" showMasterPhAnim="1">
+<p:sldLayout xmlns:a="http://schemas.openxmlformats.org/drawingml/2006/main" xmlns:r="http://schemas.openxmlformats.org/officeDocument/2006/relationships" xmlns:p="http://schemas.openxmlformats.org/presentationml/2006/main" type="tx">
   <p:cSld name="Title &amp; Bullets">
     <p:spTree>
       <p:nvGrpSpPr>
@@ -1512,7 +1566,9 @@
       <p:sp>
         <p:nvSpPr>
           <p:cNvPr id="56" name="Title Text"/>
-          <p:cNvSpPr txBox="1"/>
+          <p:cNvSpPr txBox="1">
+            <a:spLocks noGrp="1"/>
+          </p:cNvSpPr>
           <p:nvPr>
             <p:ph type="title"/>
           </p:nvPr>
@@ -1526,7 +1582,6 @@
           <a:bodyPr/>
           <a:lstStyle/>
           <a:p>
-            <a:pPr/>
             <a:r>
               <a:t>Title Text</a:t>
             </a:r>
@@ -1536,7 +1591,9 @@
       <p:sp>
         <p:nvSpPr>
           <p:cNvPr id="57" name="Body Level One…"/>
-          <p:cNvSpPr txBox="1"/>
+          <p:cNvSpPr txBox="1">
+            <a:spLocks noGrp="1"/>
+          </p:cNvSpPr>
           <p:nvPr>
             <p:ph type="body" idx="1"/>
           </p:nvPr>
@@ -1550,7 +1607,6 @@
           <a:bodyPr/>
           <a:lstStyle/>
           <a:p>
-            <a:pPr/>
             <a:r>
               <a:t>Body Level One</a:t>
             </a:r>
@@ -1584,7 +1640,9 @@
       <p:sp>
         <p:nvSpPr>
           <p:cNvPr id="58" name="Slide Number"/>
-          <p:cNvSpPr txBox="1"/>
+          <p:cNvSpPr txBox="1">
+            <a:spLocks noGrp="1"/>
+          </p:cNvSpPr>
           <p:nvPr>
             <p:ph type="sldNum" sz="quarter" idx="2"/>
           </p:nvPr>
@@ -1598,8 +1656,10 @@
           <a:bodyPr/>
           <a:lstStyle/>
           <a:p>
-            <a:pPr/>
-            <a:fld id="{86CB4B4D-7CA3-9044-876B-883B54F8677D}" type="slidenum"/>
+            <a:fld id="{86CB4B4D-7CA3-9044-876B-883B54F8677D}" type="slidenum">
+              <a:t>‹#›</a:t>
+            </a:fld>
+            <a:endParaRPr/>
           </a:p>
         </p:txBody>
       </p:sp>
@@ -1608,12 +1668,12 @@
   <p:clrMapOvr>
     <a:masterClrMapping/>
   </p:clrMapOvr>
-  <p:transition xmlns:p14="http://schemas.microsoft.com/office/powerpoint/2010/main" spd="med" advClick="1"/>
+  <p:transition spd="med"/>
 </p:sldLayout>
 </file>
 
 <file path=ppt/slideLayouts/slideLayout7.xml><?xml version="1.0" encoding="utf-8"?>
-<p:sldLayout xmlns:a="http://schemas.openxmlformats.org/drawingml/2006/main" xmlns:r="http://schemas.openxmlformats.org/officeDocument/2006/relationships" xmlns:p="http://schemas.openxmlformats.org/presentationml/2006/main" type="tx" showMasterSp="1" showMasterPhAnim="1">
+<p:sldLayout xmlns:a="http://schemas.openxmlformats.org/drawingml/2006/main" xmlns:r="http://schemas.openxmlformats.org/officeDocument/2006/relationships" xmlns:p="http://schemas.openxmlformats.org/presentationml/2006/main" type="tx">
   <p:cSld name="Title, Bullets &amp; Photo">
     <p:spTree>
       <p:nvGrpSpPr>
@@ -1632,7 +1692,9 @@
       <p:sp>
         <p:nvSpPr>
           <p:cNvPr id="65" name="Image"/>
-          <p:cNvSpPr/>
+          <p:cNvSpPr>
+            <a:spLocks noGrp="1"/>
+          </p:cNvSpPr>
           <p:nvPr>
             <p:ph type="pic" sz="half" idx="13"/>
           </p:nvPr>
@@ -1652,14 +1714,16 @@
           </a:bodyPr>
           <a:lstStyle/>
           <a:p>
-            <a:pPr/>
+            <a:endParaRPr/>
           </a:p>
         </p:txBody>
       </p:sp>
       <p:sp>
         <p:nvSpPr>
           <p:cNvPr id="66" name="Title Text"/>
-          <p:cNvSpPr txBox="1"/>
+          <p:cNvSpPr txBox="1">
+            <a:spLocks noGrp="1"/>
+          </p:cNvSpPr>
           <p:nvPr>
             <p:ph type="title"/>
           </p:nvPr>
@@ -1673,7 +1737,6 @@
           <a:bodyPr/>
           <a:lstStyle/>
           <a:p>
-            <a:pPr/>
             <a:r>
               <a:t>Title Text</a:t>
             </a:r>
@@ -1683,7 +1746,9 @@
       <p:sp>
         <p:nvSpPr>
           <p:cNvPr id="67" name="Body Level One…"/>
-          <p:cNvSpPr txBox="1"/>
+          <p:cNvSpPr txBox="1">
+            <a:spLocks noGrp="1"/>
+          </p:cNvSpPr>
           <p:nvPr>
             <p:ph type="body" sz="half" idx="1"/>
           </p:nvPr>
@@ -1732,7 +1797,6 @@
             </a:lvl5pPr>
           </a:lstStyle>
           <a:p>
-            <a:pPr/>
             <a:r>
               <a:t>Body Level One</a:t>
             </a:r>
@@ -1766,7 +1830,9 @@
       <p:sp>
         <p:nvSpPr>
           <p:cNvPr id="68" name="Slide Number"/>
-          <p:cNvSpPr txBox="1"/>
+          <p:cNvSpPr txBox="1">
+            <a:spLocks noGrp="1"/>
+          </p:cNvSpPr>
           <p:nvPr>
             <p:ph type="sldNum" sz="quarter" idx="2"/>
           </p:nvPr>
@@ -1793,8 +1859,10 @@
             </a:lvl1pPr>
           </a:lstStyle>
           <a:p>
-            <a:pPr/>
-            <a:fld id="{86CB4B4D-7CA3-9044-876B-883B54F8677D}" type="slidenum"/>
+            <a:fld id="{86CB4B4D-7CA3-9044-876B-883B54F8677D}" type="slidenum">
+              <a:t>‹#›</a:t>
+            </a:fld>
+            <a:endParaRPr/>
           </a:p>
         </p:txBody>
       </p:sp>
@@ -1803,12 +1871,12 @@
   <p:clrMapOvr>
     <a:masterClrMapping/>
   </p:clrMapOvr>
-  <p:transition xmlns:p14="http://schemas.microsoft.com/office/powerpoint/2010/main" spd="med" advClick="1"/>
+  <p:transition spd="med"/>
 </p:sldLayout>
 </file>
 
 <file path=ppt/slideLayouts/slideLayout8.xml><?xml version="1.0" encoding="utf-8"?>
-<p:sldLayout xmlns:a="http://schemas.openxmlformats.org/drawingml/2006/main" xmlns:r="http://schemas.openxmlformats.org/officeDocument/2006/relationships" xmlns:p="http://schemas.openxmlformats.org/presentationml/2006/main" type="tx" showMasterSp="1" showMasterPhAnim="1">
+<p:sldLayout xmlns:a="http://schemas.openxmlformats.org/drawingml/2006/main" xmlns:r="http://schemas.openxmlformats.org/officeDocument/2006/relationships" xmlns:p="http://schemas.openxmlformats.org/presentationml/2006/main" type="tx">
   <p:cSld name="Bullets">
     <p:spTree>
       <p:nvGrpSpPr>
@@ -1827,7 +1895,9 @@
       <p:sp>
         <p:nvSpPr>
           <p:cNvPr id="75" name="Body Level One…"/>
-          <p:cNvSpPr txBox="1"/>
+          <p:cNvSpPr txBox="1">
+            <a:spLocks noGrp="1"/>
+          </p:cNvSpPr>
           <p:nvPr>
             <p:ph type="body" idx="1"/>
           </p:nvPr>
@@ -1845,7 +1915,6 @@
           <a:bodyPr/>
           <a:lstStyle/>
           <a:p>
-            <a:pPr/>
             <a:r>
               <a:t>Body Level One</a:t>
             </a:r>
@@ -1879,7 +1948,9 @@
       <p:sp>
         <p:nvSpPr>
           <p:cNvPr id="76" name="Slide Number"/>
-          <p:cNvSpPr txBox="1"/>
+          <p:cNvSpPr txBox="1">
+            <a:spLocks noGrp="1"/>
+          </p:cNvSpPr>
           <p:nvPr>
             <p:ph type="sldNum" sz="quarter" idx="2"/>
           </p:nvPr>
@@ -1893,8 +1964,10 @@
           <a:bodyPr/>
           <a:lstStyle/>
           <a:p>
-            <a:pPr/>
-            <a:fld id="{86CB4B4D-7CA3-9044-876B-883B54F8677D}" type="slidenum"/>
+            <a:fld id="{86CB4B4D-7CA3-9044-876B-883B54F8677D}" type="slidenum">
+              <a:t>‹#›</a:t>
+            </a:fld>
+            <a:endParaRPr/>
           </a:p>
         </p:txBody>
       </p:sp>
@@ -1903,12 +1976,12 @@
   <p:clrMapOvr>
     <a:masterClrMapping/>
   </p:clrMapOvr>
-  <p:transition xmlns:p14="http://schemas.microsoft.com/office/powerpoint/2010/main" spd="med" advClick="1"/>
+  <p:transition spd="med"/>
 </p:sldLayout>
 </file>
 
 <file path=ppt/slideLayouts/slideLayout9.xml><?xml version="1.0" encoding="utf-8"?>
-<p:sldLayout xmlns:a="http://schemas.openxmlformats.org/drawingml/2006/main" xmlns:r="http://schemas.openxmlformats.org/officeDocument/2006/relationships" xmlns:p="http://schemas.openxmlformats.org/presentationml/2006/main" type="tx" showMasterSp="1" showMasterPhAnim="1">
+<p:sldLayout xmlns:a="http://schemas.openxmlformats.org/drawingml/2006/main" xmlns:r="http://schemas.openxmlformats.org/officeDocument/2006/relationships" xmlns:p="http://schemas.openxmlformats.org/presentationml/2006/main" type="tx">
   <p:cSld name="Photo - 3 Up">
     <p:spTree>
       <p:nvGrpSpPr>
@@ -1927,7 +2000,9 @@
       <p:sp>
         <p:nvSpPr>
           <p:cNvPr id="83" name="Image"/>
-          <p:cNvSpPr/>
+          <p:cNvSpPr>
+            <a:spLocks noGrp="1"/>
+          </p:cNvSpPr>
           <p:nvPr>
             <p:ph type="pic" sz="quarter" idx="13"/>
           </p:nvPr>
@@ -1947,14 +2022,16 @@
           </a:bodyPr>
           <a:lstStyle/>
           <a:p>
-            <a:pPr/>
+            <a:endParaRPr/>
           </a:p>
         </p:txBody>
       </p:sp>
       <p:sp>
         <p:nvSpPr>
           <p:cNvPr id="84" name="Image"/>
-          <p:cNvSpPr/>
+          <p:cNvSpPr>
+            <a:spLocks noGrp="1"/>
+          </p:cNvSpPr>
           <p:nvPr>
             <p:ph type="pic" sz="quarter" idx="14"/>
           </p:nvPr>
@@ -1974,14 +2051,16 @@
           </a:bodyPr>
           <a:lstStyle/>
           <a:p>
-            <a:pPr/>
+            <a:endParaRPr/>
           </a:p>
         </p:txBody>
       </p:sp>
       <p:sp>
         <p:nvSpPr>
           <p:cNvPr id="85" name="Image"/>
-          <p:cNvSpPr/>
+          <p:cNvSpPr>
+            <a:spLocks noGrp="1"/>
+          </p:cNvSpPr>
           <p:nvPr>
             <p:ph type="pic" sz="half" idx="15"/>
           </p:nvPr>
@@ -2001,14 +2080,16 @@
           </a:bodyPr>
           <a:lstStyle/>
           <a:p>
-            <a:pPr/>
+            <a:endParaRPr/>
           </a:p>
         </p:txBody>
       </p:sp>
       <p:sp>
         <p:nvSpPr>
           <p:cNvPr id="86" name="Slide Number"/>
-          <p:cNvSpPr txBox="1"/>
+          <p:cNvSpPr txBox="1">
+            <a:spLocks noGrp="1"/>
+          </p:cNvSpPr>
           <p:nvPr>
             <p:ph type="sldNum" sz="quarter" idx="2"/>
           </p:nvPr>
@@ -2022,8 +2103,10 @@
           <a:bodyPr/>
           <a:lstStyle/>
           <a:p>
-            <a:pPr/>
-            <a:fld id="{86CB4B4D-7CA3-9044-876B-883B54F8677D}" type="slidenum"/>
+            <a:fld id="{86CB4B4D-7CA3-9044-876B-883B54F8677D}" type="slidenum">
+              <a:t>‹#›</a:t>
+            </a:fld>
+            <a:endParaRPr/>
           </a:p>
         </p:txBody>
       </p:sp>
@@ -2032,7 +2115,7 @@
   <p:clrMapOvr>
     <a:masterClrMapping/>
   </p:clrMapOvr>
-  <p:transition xmlns:p14="http://schemas.microsoft.com/office/powerpoint/2010/main" spd="med" advClick="1"/>
+  <p:transition spd="med"/>
 </p:sldLayout>
 </file>
 
@@ -2044,6 +2127,7 @@
         <a:solidFill>
           <a:srgbClr val="FFFFFF"/>
         </a:solidFill>
+        <a:effectLst/>
       </p:bgPr>
     </p:bg>
     <p:spTree>
@@ -2063,7 +2147,9 @@
       <p:sp>
         <p:nvSpPr>
           <p:cNvPr id="2" name="Title Text"/>
-          <p:cNvSpPr txBox="1"/>
+          <p:cNvSpPr txBox="1">
+            <a:spLocks noGrp="1"/>
+          </p:cNvSpPr>
           <p:nvPr>
             <p:ph type="title"/>
           </p:nvPr>
@@ -2081,17 +2167,16 @@
           </a:ln>
           <a:extLst>
             <a:ext uri="{C572A759-6A51-4108-AA02-DFA0A04FC94B}">
-              <ma14:wrappingTextBoxFlag xmlns:ma14="http://schemas.microsoft.com/office/mac/drawingml/2011/main" val="1"/>
+              <ma14:wrappingTextBoxFlag xmlns:ma14="http://schemas.microsoft.com/office/mac/drawingml/2011/main" xmlns="" val="1"/>
             </a:ext>
           </a:extLst>
         </p:spPr>
         <p:txBody>
           <a:bodyPr lIns="50800" tIns="50800" rIns="50800" bIns="50800" anchor="ctr">
-            <a:normAutofit fontScale="100000" lnSpcReduction="0"/>
+            <a:normAutofit/>
           </a:bodyPr>
           <a:lstStyle/>
           <a:p>
-            <a:pPr/>
             <a:r>
               <a:t>Title Text</a:t>
             </a:r>
@@ -2101,7 +2186,9 @@
       <p:sp>
         <p:nvSpPr>
           <p:cNvPr id="3" name="Body Level One…"/>
-          <p:cNvSpPr txBox="1"/>
+          <p:cNvSpPr txBox="1">
+            <a:spLocks noGrp="1"/>
+          </p:cNvSpPr>
           <p:nvPr>
             <p:ph type="body" idx="1"/>
           </p:nvPr>
@@ -2119,17 +2206,16 @@
           </a:ln>
           <a:extLst>
             <a:ext uri="{C572A759-6A51-4108-AA02-DFA0A04FC94B}">
-              <ma14:wrappingTextBoxFlag xmlns:ma14="http://schemas.microsoft.com/office/mac/drawingml/2011/main" val="1"/>
+              <ma14:wrappingTextBoxFlag xmlns:ma14="http://schemas.microsoft.com/office/mac/drawingml/2011/main" xmlns="" val="1"/>
             </a:ext>
           </a:extLst>
         </p:spPr>
         <p:txBody>
           <a:bodyPr lIns="50800" tIns="50800" rIns="50800" bIns="50800" anchor="ctr">
-            <a:normAutofit fontScale="100000" lnSpcReduction="0"/>
+            <a:normAutofit/>
           </a:bodyPr>
           <a:lstStyle/>
           <a:p>
-            <a:pPr/>
             <a:r>
               <a:t>Body Level One</a:t>
             </a:r>
@@ -2163,7 +2249,9 @@
       <p:sp>
         <p:nvSpPr>
           <p:cNvPr id="4" name="Slide Number"/>
-          <p:cNvSpPr txBox="1"/>
+          <p:cNvSpPr txBox="1">
+            <a:spLocks noGrp="1"/>
+          </p:cNvSpPr>
           <p:nvPr>
             <p:ph type="sldNum" sz="quarter" idx="2"/>
           </p:nvPr>
@@ -2186,7 +2274,7 @@
           </a:bodyPr>
           <a:lstStyle>
             <a:lvl1pPr>
-              <a:defRPr b="0" sz="1600">
+              <a:defRPr sz="1600" b="0">
                 <a:latin typeface="Helvetica Neue Light"/>
                 <a:ea typeface="Helvetica Neue Light"/>
                 <a:cs typeface="Helvetica Neue Light"/>
@@ -2195,8 +2283,10 @@
             </a:lvl1pPr>
           </a:lstStyle>
           <a:p>
-            <a:pPr/>
-            <a:fld id="{86CB4B4D-7CA3-9044-876B-883B54F8677D}" type="slidenum"/>
+            <a:fld id="{86CB4B4D-7CA3-9044-876B-883B54F8677D}" type="slidenum">
+              <a:t>‹#›</a:t>
+            </a:fld>
+            <a:endParaRPr/>
           </a:p>
         </p:txBody>
       </p:sp>
@@ -2204,20 +2294,20 @@
   </p:cSld>
   <p:clrMap bg1="lt1" tx1="dk1" bg2="lt2" tx2="dk2" accent1="accent1" accent2="accent2" accent3="accent3" accent4="accent4" accent5="accent5" accent6="accent6" hlink="hlink" folHlink="folHlink"/>
   <p:sldLayoutIdLst>
-    <p:sldLayoutId id="2147483649" r:id="rId2"/>
-    <p:sldLayoutId id="2147483650" r:id="rId3"/>
-    <p:sldLayoutId id="2147483651" r:id="rId4"/>
-    <p:sldLayoutId id="2147483652" r:id="rId5"/>
-    <p:sldLayoutId id="2147483653" r:id="rId6"/>
-    <p:sldLayoutId id="2147483654" r:id="rId7"/>
-    <p:sldLayoutId id="2147483655" r:id="rId8"/>
-    <p:sldLayoutId id="2147483656" r:id="rId9"/>
-    <p:sldLayoutId id="2147483657" r:id="rId10"/>
-    <p:sldLayoutId id="2147483658" r:id="rId11"/>
-    <p:sldLayoutId id="2147483659" r:id="rId12"/>
-    <p:sldLayoutId id="2147483660" r:id="rId13"/>
+    <p:sldLayoutId id="2147483649" r:id="rId1"/>
+    <p:sldLayoutId id="2147483650" r:id="rId2"/>
+    <p:sldLayoutId id="2147483651" r:id="rId3"/>
+    <p:sldLayoutId id="2147483652" r:id="rId4"/>
+    <p:sldLayoutId id="2147483653" r:id="rId5"/>
+    <p:sldLayoutId id="2147483654" r:id="rId6"/>
+    <p:sldLayoutId id="2147483655" r:id="rId7"/>
+    <p:sldLayoutId id="2147483656" r:id="rId8"/>
+    <p:sldLayoutId id="2147483657" r:id="rId9"/>
+    <p:sldLayoutId id="2147483658" r:id="rId10"/>
+    <p:sldLayoutId id="2147483659" r:id="rId11"/>
+    <p:sldLayoutId id="2147483660" r:id="rId12"/>
   </p:sldLayoutIdLst>
-  <p:transition xmlns:p14="http://schemas.microsoft.com/office/powerpoint/2010/main" spd="med" advClick="1"/>
+  <p:transition spd="med"/>
   <p:txStyles>
     <p:titleStyle>
       <a:lvl1pPr marL="0" marR="0" indent="0" algn="ctr" defTabSz="584200" rtl="0" latinLnBrk="0">
@@ -2235,7 +2325,7 @@
         <a:buFontTx/>
         <a:buNone/>
         <a:tabLst/>
-        <a:defRPr b="0" baseline="0" cap="none" i="0" spc="0" strike="noStrike" sz="8000" u="none">
+        <a:defRPr sz="8000" b="0" i="0" u="none" strike="noStrike" cap="none" spc="0" baseline="0">
           <a:ln>
             <a:noFill/>
           </a:ln>
@@ -2264,7 +2354,7 @@
         <a:buFontTx/>
         <a:buNone/>
         <a:tabLst/>
-        <a:defRPr b="0" baseline="0" cap="none" i="0" spc="0" strike="noStrike" sz="8000" u="none">
+        <a:defRPr sz="8000" b="0" i="0" u="none" strike="noStrike" cap="none" spc="0" baseline="0">
           <a:ln>
             <a:noFill/>
           </a:ln>
@@ -2293,7 +2383,7 @@
         <a:buFontTx/>
         <a:buNone/>
         <a:tabLst/>
-        <a:defRPr b="0" baseline="0" cap="none" i="0" spc="0" strike="noStrike" sz="8000" u="none">
+        <a:defRPr sz="8000" b="0" i="0" u="none" strike="noStrike" cap="none" spc="0" baseline="0">
           <a:ln>
             <a:noFill/>
           </a:ln>
@@ -2322,7 +2412,7 @@
         <a:buFontTx/>
         <a:buNone/>
         <a:tabLst/>
-        <a:defRPr b="0" baseline="0" cap="none" i="0" spc="0" strike="noStrike" sz="8000" u="none">
+        <a:defRPr sz="8000" b="0" i="0" u="none" strike="noStrike" cap="none" spc="0" baseline="0">
           <a:ln>
             <a:noFill/>
           </a:ln>
@@ -2351,7 +2441,7 @@
         <a:buFontTx/>
         <a:buNone/>
         <a:tabLst/>
-        <a:defRPr b="0" baseline="0" cap="none" i="0" spc="0" strike="noStrike" sz="8000" u="none">
+        <a:defRPr sz="8000" b="0" i="0" u="none" strike="noStrike" cap="none" spc="0" baseline="0">
           <a:ln>
             <a:noFill/>
           </a:ln>
@@ -2380,7 +2470,7 @@
         <a:buFontTx/>
         <a:buNone/>
         <a:tabLst/>
-        <a:defRPr b="0" baseline="0" cap="none" i="0" spc="0" strike="noStrike" sz="8000" u="none">
+        <a:defRPr sz="8000" b="0" i="0" u="none" strike="noStrike" cap="none" spc="0" baseline="0">
           <a:ln>
             <a:noFill/>
           </a:ln>
@@ -2409,7 +2499,7 @@
         <a:buFontTx/>
         <a:buNone/>
         <a:tabLst/>
-        <a:defRPr b="0" baseline="0" cap="none" i="0" spc="0" strike="noStrike" sz="8000" u="none">
+        <a:defRPr sz="8000" b="0" i="0" u="none" strike="noStrike" cap="none" spc="0" baseline="0">
           <a:ln>
             <a:noFill/>
           </a:ln>
@@ -2438,7 +2528,7 @@
         <a:buFontTx/>
         <a:buNone/>
         <a:tabLst/>
-        <a:defRPr b="0" baseline="0" cap="none" i="0" spc="0" strike="noStrike" sz="8000" u="none">
+        <a:defRPr sz="8000" b="0" i="0" u="none" strike="noStrike" cap="none" spc="0" baseline="0">
           <a:ln>
             <a:noFill/>
           </a:ln>
@@ -2467,7 +2557,7 @@
         <a:buFontTx/>
         <a:buNone/>
         <a:tabLst/>
-        <a:defRPr b="0" baseline="0" cap="none" i="0" spc="0" strike="noStrike" sz="8000" u="none">
+        <a:defRPr sz="8000" b="0" i="0" u="none" strike="noStrike" cap="none" spc="0" baseline="0">
           <a:ln>
             <a:noFill/>
           </a:ln>
@@ -2498,7 +2588,7 @@
         <a:buFontTx/>
         <a:buChar char="•"/>
         <a:tabLst/>
-        <a:defRPr b="0" baseline="0" cap="none" i="0" spc="0" strike="noStrike" sz="3200" u="none">
+        <a:defRPr sz="3200" b="0" i="0" u="none" strike="noStrike" cap="none" spc="0" baseline="0">
           <a:ln>
             <a:noFill/>
           </a:ln>
@@ -2527,7 +2617,7 @@
         <a:buFontTx/>
         <a:buChar char="•"/>
         <a:tabLst/>
-        <a:defRPr b="0" baseline="0" cap="none" i="0" spc="0" strike="noStrike" sz="3200" u="none">
+        <a:defRPr sz="3200" b="0" i="0" u="none" strike="noStrike" cap="none" spc="0" baseline="0">
           <a:ln>
             <a:noFill/>
           </a:ln>
@@ -2556,7 +2646,7 @@
         <a:buFontTx/>
         <a:buChar char="•"/>
         <a:tabLst/>
-        <a:defRPr b="0" baseline="0" cap="none" i="0" spc="0" strike="noStrike" sz="3200" u="none">
+        <a:defRPr sz="3200" b="0" i="0" u="none" strike="noStrike" cap="none" spc="0" baseline="0">
           <a:ln>
             <a:noFill/>
           </a:ln>
@@ -2585,7 +2675,7 @@
         <a:buFontTx/>
         <a:buChar char="•"/>
         <a:tabLst/>
-        <a:defRPr b="0" baseline="0" cap="none" i="0" spc="0" strike="noStrike" sz="3200" u="none">
+        <a:defRPr sz="3200" b="0" i="0" u="none" strike="noStrike" cap="none" spc="0" baseline="0">
           <a:ln>
             <a:noFill/>
           </a:ln>
@@ -2614,7 +2704,7 @@
         <a:buFontTx/>
         <a:buChar char="•"/>
         <a:tabLst/>
-        <a:defRPr b="0" baseline="0" cap="none" i="0" spc="0" strike="noStrike" sz="3200" u="none">
+        <a:defRPr sz="3200" b="0" i="0" u="none" strike="noStrike" cap="none" spc="0" baseline="0">
           <a:ln>
             <a:noFill/>
           </a:ln>
@@ -2643,7 +2733,7 @@
         <a:buFontTx/>
         <a:buChar char="•"/>
         <a:tabLst/>
-        <a:defRPr b="0" baseline="0" cap="none" i="0" spc="0" strike="noStrike" sz="3200" u="none">
+        <a:defRPr sz="3200" b="0" i="0" u="none" strike="noStrike" cap="none" spc="0" baseline="0">
           <a:ln>
             <a:noFill/>
           </a:ln>
@@ -2672,7 +2762,7 @@
         <a:buFontTx/>
         <a:buChar char="•"/>
         <a:tabLst/>
-        <a:defRPr b="0" baseline="0" cap="none" i="0" spc="0" strike="noStrike" sz="3200" u="none">
+        <a:defRPr sz="3200" b="0" i="0" u="none" strike="noStrike" cap="none" spc="0" baseline="0">
           <a:ln>
             <a:noFill/>
           </a:ln>
@@ -2701,7 +2791,7 @@
         <a:buFontTx/>
         <a:buChar char="•"/>
         <a:tabLst/>
-        <a:defRPr b="0" baseline="0" cap="none" i="0" spc="0" strike="noStrike" sz="3200" u="none">
+        <a:defRPr sz="3200" b="0" i="0" u="none" strike="noStrike" cap="none" spc="0" baseline="0">
           <a:ln>
             <a:noFill/>
           </a:ln>
@@ -2730,7 +2820,7 @@
         <a:buFontTx/>
         <a:buChar char="•"/>
         <a:tabLst/>
-        <a:defRPr b="0" baseline="0" cap="none" i="0" spc="0" strike="noStrike" sz="3200" u="none">
+        <a:defRPr sz="3200" b="0" i="0" u="none" strike="noStrike" cap="none" spc="0" baseline="0">
           <a:ln>
             <a:noFill/>
           </a:ln>
@@ -2761,7 +2851,7 @@
         <a:buFontTx/>
         <a:buNone/>
         <a:tabLst/>
-        <a:defRPr b="0" baseline="0" cap="none" i="0" spc="0" strike="noStrike" sz="1600" u="none">
+        <a:defRPr sz="1600" b="0" i="0" u="none" strike="noStrike" cap="none" spc="0" baseline="0">
           <a:ln>
             <a:noFill/>
           </a:ln>
@@ -2790,7 +2880,7 @@
         <a:buFontTx/>
         <a:buNone/>
         <a:tabLst/>
-        <a:defRPr b="0" baseline="0" cap="none" i="0" spc="0" strike="noStrike" sz="1600" u="none">
+        <a:defRPr sz="1600" b="0" i="0" u="none" strike="noStrike" cap="none" spc="0" baseline="0">
           <a:ln>
             <a:noFill/>
           </a:ln>
@@ -2819,7 +2909,7 @@
         <a:buFontTx/>
         <a:buNone/>
         <a:tabLst/>
-        <a:defRPr b="0" baseline="0" cap="none" i="0" spc="0" strike="noStrike" sz="1600" u="none">
+        <a:defRPr sz="1600" b="0" i="0" u="none" strike="noStrike" cap="none" spc="0" baseline="0">
           <a:ln>
             <a:noFill/>
           </a:ln>
@@ -2848,7 +2938,7 @@
         <a:buFontTx/>
         <a:buNone/>
         <a:tabLst/>
-        <a:defRPr b="0" baseline="0" cap="none" i="0" spc="0" strike="noStrike" sz="1600" u="none">
+        <a:defRPr sz="1600" b="0" i="0" u="none" strike="noStrike" cap="none" spc="0" baseline="0">
           <a:ln>
             <a:noFill/>
           </a:ln>
@@ -2877,7 +2967,7 @@
         <a:buFontTx/>
         <a:buNone/>
         <a:tabLst/>
-        <a:defRPr b="0" baseline="0" cap="none" i="0" spc="0" strike="noStrike" sz="1600" u="none">
+        <a:defRPr sz="1600" b="0" i="0" u="none" strike="noStrike" cap="none" spc="0" baseline="0">
           <a:ln>
             <a:noFill/>
           </a:ln>
@@ -2906,7 +2996,7 @@
         <a:buFontTx/>
         <a:buNone/>
         <a:tabLst/>
-        <a:defRPr b="0" baseline="0" cap="none" i="0" spc="0" strike="noStrike" sz="1600" u="none">
+        <a:defRPr sz="1600" b="0" i="0" u="none" strike="noStrike" cap="none" spc="0" baseline="0">
           <a:ln>
             <a:noFill/>
           </a:ln>
@@ -2935,7 +3025,7 @@
         <a:buFontTx/>
         <a:buNone/>
         <a:tabLst/>
-        <a:defRPr b="0" baseline="0" cap="none" i="0" spc="0" strike="noStrike" sz="1600" u="none">
+        <a:defRPr sz="1600" b="0" i="0" u="none" strike="noStrike" cap="none" spc="0" baseline="0">
           <a:ln>
             <a:noFill/>
           </a:ln>
@@ -2964,7 +3054,7 @@
         <a:buFontTx/>
         <a:buNone/>
         <a:tabLst/>
-        <a:defRPr b="0" baseline="0" cap="none" i="0" spc="0" strike="noStrike" sz="1600" u="none">
+        <a:defRPr sz="1600" b="0" i="0" u="none" strike="noStrike" cap="none" spc="0" baseline="0">
           <a:ln>
             <a:noFill/>
           </a:ln>
@@ -2993,7 +3083,7 @@
         <a:buFontTx/>
         <a:buNone/>
         <a:tabLst/>
-        <a:defRPr b="0" baseline="0" cap="none" i="0" spc="0" strike="noStrike" sz="1600" u="none">
+        <a:defRPr sz="1600" b="0" i="0" u="none" strike="noStrike" cap="none" spc="0" baseline="0">
           <a:ln>
             <a:noFill/>
           </a:ln>
@@ -3013,7 +3103,7 @@
 </file>
 
 <file path=ppt/slides/slide1.xml><?xml version="1.0" encoding="utf-8"?>
-<p:sld xmlns:a="http://schemas.openxmlformats.org/drawingml/2006/main" xmlns:r="http://schemas.openxmlformats.org/officeDocument/2006/relationships" xmlns:p="http://schemas.openxmlformats.org/presentationml/2006/main" showMasterSp="1" showMasterPhAnim="1">
+<p:sld xmlns:a="http://schemas.openxmlformats.org/drawingml/2006/main" xmlns:r="http://schemas.openxmlformats.org/officeDocument/2006/relationships" xmlns:p="http://schemas.openxmlformats.org/presentationml/2006/main">
   <p:cSld>
     <p:spTree>
       <p:nvGrpSpPr>
@@ -3032,7 +3122,9 @@
       <p:sp>
         <p:nvSpPr>
           <p:cNvPr id="119" name="Lazy Admin"/>
-          <p:cNvSpPr txBox="1"/>
+          <p:cNvSpPr txBox="1">
+            <a:spLocks noGrp="1"/>
+          </p:cNvSpPr>
           <p:nvPr>
             <p:ph type="ctrTitle"/>
           </p:nvPr>
@@ -3046,7 +3138,6 @@
           <a:bodyPr/>
           <a:lstStyle/>
           <a:p>
-            <a:pPr/>
             <a:r>
               <a:t>Lazy Admin</a:t>
             </a:r>
@@ -3056,7 +3147,9 @@
       <p:sp>
         <p:nvSpPr>
           <p:cNvPr id="120" name="Create multiple local Splunk instances"/>
-          <p:cNvSpPr txBox="1"/>
+          <p:cNvSpPr txBox="1">
+            <a:spLocks noGrp="1"/>
+          </p:cNvSpPr>
           <p:nvPr>
             <p:ph type="subTitle" sz="quarter" idx="1"/>
           </p:nvPr>
@@ -3070,7 +3163,6 @@
           <a:bodyPr/>
           <a:lstStyle/>
           <a:p>
-            <a:pPr/>
             <a:r>
               <a:t>Create multiple local Splunk instances</a:t>
             </a:r>
@@ -3082,12 +3174,12 @@
   <p:clrMapOvr>
     <a:masterClrMapping/>
   </p:clrMapOvr>
-  <p:transition xmlns:p14="http://schemas.microsoft.com/office/powerpoint/2010/main" spd="med" advClick="1"/>
+  <p:transition spd="med"/>
 </p:sld>
 </file>
 
 <file path=ppt/slides/slide10.xml><?xml version="1.0" encoding="utf-8"?>
-<p:sld xmlns:a="http://schemas.openxmlformats.org/drawingml/2006/main" xmlns:r="http://schemas.openxmlformats.org/officeDocument/2006/relationships" xmlns:p="http://schemas.openxmlformats.org/presentationml/2006/main" showMasterSp="1" showMasterPhAnim="1">
+<p:sld xmlns:a="http://schemas.openxmlformats.org/drawingml/2006/main" xmlns:r="http://schemas.openxmlformats.org/officeDocument/2006/relationships" xmlns:p="http://schemas.openxmlformats.org/presentationml/2006/main">
   <p:cSld>
     <p:spTree>
       <p:nvGrpSpPr>
@@ -3106,7 +3198,9 @@
       <p:sp>
         <p:nvSpPr>
           <p:cNvPr id="146" name="cds"/>
-          <p:cNvSpPr txBox="1"/>
+          <p:cNvSpPr txBox="1">
+            <a:spLocks noGrp="1"/>
+          </p:cNvSpPr>
           <p:nvPr>
             <p:ph type="title"/>
           </p:nvPr>
@@ -3120,7 +3214,6 @@
           <a:bodyPr/>
           <a:lstStyle/>
           <a:p>
-            <a:pPr/>
             <a:r>
               <a:t>cds</a:t>
             </a:r>
@@ -3130,7 +3223,9 @@
       <p:sp>
         <p:nvSpPr>
           <p:cNvPr id="147" name="Command used to quickly jump to your splunk instance…"/>
-          <p:cNvSpPr txBox="1"/>
+          <p:cNvSpPr txBox="1">
+            <a:spLocks noGrp="1"/>
+          </p:cNvSpPr>
           <p:nvPr>
             <p:ph type="body" idx="1"/>
           </p:nvPr>
@@ -3197,6 +3292,7 @@
                 <a:sym typeface="Courier"/>
               </a:defRPr>
             </a:pPr>
+            <a:endParaRPr/>
           </a:p>
           <a:p>
             <a:pPr marL="0" indent="0" defTabSz="543305">
@@ -3212,6 +3308,7 @@
                 <a:sym typeface="Courier"/>
               </a:defRPr>
             </a:pPr>
+            <a:endParaRPr/>
           </a:p>
           <a:p>
             <a:pPr marL="0" indent="0" defTabSz="543305">
@@ -3227,6 +3324,7 @@
                 <a:sym typeface="Courier"/>
               </a:defRPr>
             </a:pPr>
+            <a:endParaRPr/>
           </a:p>
         </p:txBody>
       </p:sp>
@@ -3235,12 +3333,12 @@
   <p:clrMapOvr>
     <a:masterClrMapping/>
   </p:clrMapOvr>
-  <p:transition xmlns:p14="http://schemas.microsoft.com/office/powerpoint/2010/main" spd="med" advClick="1"/>
+  <p:transition spd="med"/>
 </p:sld>
 </file>
 
 <file path=ppt/slides/slide11.xml><?xml version="1.0" encoding="utf-8"?>
-<p:sld xmlns:a="http://schemas.openxmlformats.org/drawingml/2006/main" xmlns:r="http://schemas.openxmlformats.org/officeDocument/2006/relationships" xmlns:p="http://schemas.openxmlformats.org/presentationml/2006/main" showMasterSp="1" showMasterPhAnim="1">
+<p:sld xmlns:a="http://schemas.openxmlformats.org/drawingml/2006/main" xmlns:r="http://schemas.openxmlformats.org/officeDocument/2006/relationships" xmlns:p="http://schemas.openxmlformats.org/presentationml/2006/main">
   <p:cSld>
     <p:spTree>
       <p:nvGrpSpPr>
@@ -3259,7 +3357,9 @@
       <p:sp>
         <p:nvSpPr>
           <p:cNvPr id="149" name="cleansplunk"/>
-          <p:cNvSpPr txBox="1"/>
+          <p:cNvSpPr txBox="1">
+            <a:spLocks noGrp="1"/>
+          </p:cNvSpPr>
           <p:nvPr>
             <p:ph type="title"/>
           </p:nvPr>
@@ -3273,7 +3373,6 @@
           <a:bodyPr/>
           <a:lstStyle/>
           <a:p>
-            <a:pPr/>
             <a:r>
               <a:t>cleansplunk</a:t>
             </a:r>
@@ -3283,7 +3382,9 @@
       <p:sp>
         <p:nvSpPr>
           <p:cNvPr id="150" name="Command used to clean indexed data from splunk instance…"/>
-          <p:cNvSpPr txBox="1"/>
+          <p:cNvSpPr txBox="1">
+            <a:spLocks noGrp="1"/>
+          </p:cNvSpPr>
           <p:nvPr>
             <p:ph type="body" idx="1"/>
           </p:nvPr>
@@ -3297,13 +3398,11 @@
           <a:bodyPr/>
           <a:lstStyle/>
           <a:p>
-            <a:pPr/>
             <a:r>
               <a:t>Command used to clean indexed data from splunk instance</a:t>
             </a:r>
           </a:p>
           <a:p>
-            <a:pPr/>
             <a:r>
               <a:t>Usage:</a:t>
             </a:r>
@@ -3334,6 +3433,7 @@
                 <a:sym typeface="Courier"/>
               </a:defRPr>
             </a:pPr>
+            <a:endParaRPr/>
           </a:p>
           <a:p>
             <a:pPr marL="0" indent="0">
@@ -3346,6 +3446,7 @@
                 <a:sym typeface="Courier"/>
               </a:defRPr>
             </a:pPr>
+            <a:endParaRPr/>
           </a:p>
         </p:txBody>
       </p:sp>
@@ -3354,12 +3455,12 @@
   <p:clrMapOvr>
     <a:masterClrMapping/>
   </p:clrMapOvr>
-  <p:transition xmlns:p14="http://schemas.microsoft.com/office/powerpoint/2010/main" spd="med" advClick="1"/>
+  <p:transition spd="med"/>
 </p:sld>
 </file>
 
 <file path=ppt/slides/slide12.xml><?xml version="1.0" encoding="utf-8"?>
-<p:sld xmlns:a="http://schemas.openxmlformats.org/drawingml/2006/main" xmlns:r="http://schemas.openxmlformats.org/officeDocument/2006/relationships" xmlns:p="http://schemas.openxmlformats.org/presentationml/2006/main" showMasterSp="1" showMasterPhAnim="1">
+<p:sld xmlns:a="http://schemas.openxmlformats.org/drawingml/2006/main" xmlns:r="http://schemas.openxmlformats.org/officeDocument/2006/relationships" xmlns:p="http://schemas.openxmlformats.org/presentationml/2006/main">
   <p:cSld>
     <p:spTree>
       <p:nvGrpSpPr>
@@ -3378,7 +3479,9 @@
       <p:sp>
         <p:nvSpPr>
           <p:cNvPr id="152" name="createsplunk"/>
-          <p:cNvSpPr txBox="1"/>
+          <p:cNvSpPr txBox="1">
+            <a:spLocks noGrp="1"/>
+          </p:cNvSpPr>
           <p:nvPr>
             <p:ph type="title"/>
           </p:nvPr>
@@ -3392,7 +3495,6 @@
           <a:bodyPr/>
           <a:lstStyle/>
           <a:p>
-            <a:pPr/>
             <a:r>
               <a:t>createsplunk</a:t>
             </a:r>
@@ -3402,7 +3504,9 @@
       <p:sp>
         <p:nvSpPr>
           <p:cNvPr id="153" name="Command used to create your splunk deployment…"/>
-          <p:cNvSpPr txBox="1"/>
+          <p:cNvSpPr txBox="1">
+            <a:spLocks noGrp="1"/>
+          </p:cNvSpPr>
           <p:nvPr>
             <p:ph type="body" idx="1"/>
           </p:nvPr>
@@ -3416,13 +3520,11 @@
           <a:bodyPr/>
           <a:lstStyle/>
           <a:p>
-            <a:pPr/>
             <a:r>
               <a:t>Command used to create your splunk deployment</a:t>
             </a:r>
           </a:p>
           <a:p>
-            <a:pPr/>
             <a:r>
               <a:t>Usage:</a:t>
             </a:r>
@@ -3453,6 +3555,7 @@
                 <a:sym typeface="Courier"/>
               </a:defRPr>
             </a:pPr>
+            <a:endParaRPr/>
           </a:p>
           <a:p>
             <a:pPr marL="0" indent="0">
@@ -3465,6 +3568,7 @@
                 <a:sym typeface="Courier"/>
               </a:defRPr>
             </a:pPr>
+            <a:endParaRPr/>
           </a:p>
         </p:txBody>
       </p:sp>
@@ -3473,12 +3577,12 @@
   <p:clrMapOvr>
     <a:masterClrMapping/>
   </p:clrMapOvr>
-  <p:transition xmlns:p14="http://schemas.microsoft.com/office/powerpoint/2010/main" spd="med" advClick="1"/>
+  <p:transition spd="med"/>
 </p:sld>
 </file>
 
 <file path=ppt/slides/slide13.xml><?xml version="1.0" encoding="utf-8"?>
-<p:sld xmlns:a="http://schemas.openxmlformats.org/drawingml/2006/main" xmlns:r="http://schemas.openxmlformats.org/officeDocument/2006/relationships" xmlns:p="http://schemas.openxmlformats.org/presentationml/2006/main" showMasterSp="1" showMasterPhAnim="1">
+<p:sld xmlns:a="http://schemas.openxmlformats.org/drawingml/2006/main" xmlns:r="http://schemas.openxmlformats.org/officeDocument/2006/relationships" xmlns:p="http://schemas.openxmlformats.org/presentationml/2006/main">
   <p:cSld>
     <p:spTree>
       <p:nvGrpSpPr>
@@ -3497,7 +3601,9 @@
       <p:sp>
         <p:nvSpPr>
           <p:cNvPr id="155" name="fixperm"/>
-          <p:cNvSpPr txBox="1"/>
+          <p:cNvSpPr txBox="1">
+            <a:spLocks noGrp="1"/>
+          </p:cNvSpPr>
           <p:nvPr>
             <p:ph type="title"/>
           </p:nvPr>
@@ -3511,7 +3617,6 @@
           <a:bodyPr/>
           <a:lstStyle/>
           <a:p>
-            <a:pPr/>
             <a:r>
               <a:t>fixperm</a:t>
             </a:r>
@@ -3521,7 +3626,9 @@
       <p:sp>
         <p:nvSpPr>
           <p:cNvPr id="156" name="Command used to fix the permissions on your splunk deployment…"/>
-          <p:cNvSpPr txBox="1"/>
+          <p:cNvSpPr txBox="1">
+            <a:spLocks noGrp="1"/>
+          </p:cNvSpPr>
           <p:nvPr>
             <p:ph type="body" idx="1"/>
           </p:nvPr>
@@ -3535,13 +3642,11 @@
           <a:bodyPr/>
           <a:lstStyle/>
           <a:p>
-            <a:pPr/>
             <a:r>
               <a:t>Command used to fix the permissions on your splunk deployment</a:t>
             </a:r>
           </a:p>
           <a:p>
-            <a:pPr/>
             <a:r>
               <a:t>Usage:</a:t>
             </a:r>
@@ -3572,6 +3677,7 @@
                 <a:sym typeface="Courier"/>
               </a:defRPr>
             </a:pPr>
+            <a:endParaRPr/>
           </a:p>
           <a:p>
             <a:pPr marL="0" indent="0">
@@ -3584,6 +3690,7 @@
                 <a:sym typeface="Courier"/>
               </a:defRPr>
             </a:pPr>
+            <a:endParaRPr/>
           </a:p>
         </p:txBody>
       </p:sp>
@@ -3592,12 +3699,12 @@
   <p:clrMapOvr>
     <a:masterClrMapping/>
   </p:clrMapOvr>
-  <p:transition xmlns:p14="http://schemas.microsoft.com/office/powerpoint/2010/main" spd="med" advClick="1"/>
+  <p:transition spd="med"/>
 </p:sld>
 </file>
 
 <file path=ppt/slides/slide14.xml><?xml version="1.0" encoding="utf-8"?>
-<p:sld xmlns:a="http://schemas.openxmlformats.org/drawingml/2006/main" xmlns:r="http://schemas.openxmlformats.org/officeDocument/2006/relationships" xmlns:p="http://schemas.openxmlformats.org/presentationml/2006/main" showMasterSp="1" showMasterPhAnim="1">
+<p:sld xmlns:a="http://schemas.openxmlformats.org/drawingml/2006/main" xmlns:r="http://schemas.openxmlformats.org/officeDocument/2006/relationships" xmlns:p="http://schemas.openxmlformats.org/presentationml/2006/main">
   <p:cSld>
     <p:spTree>
       <p:nvGrpSpPr>
@@ -3616,7 +3723,9 @@
       <p:sp>
         <p:nvSpPr>
           <p:cNvPr id="158" name="listapps"/>
-          <p:cNvSpPr txBox="1"/>
+          <p:cNvSpPr txBox="1">
+            <a:spLocks noGrp="1"/>
+          </p:cNvSpPr>
           <p:nvPr>
             <p:ph type="title"/>
           </p:nvPr>
@@ -3630,7 +3739,6 @@
           <a:bodyPr/>
           <a:lstStyle/>
           <a:p>
-            <a:pPr/>
             <a:r>
               <a:t>listapps</a:t>
             </a:r>
@@ -3640,7 +3748,9 @@
       <p:sp>
         <p:nvSpPr>
           <p:cNvPr id="159" name="Command used to list the apps in your splunk deployment…"/>
-          <p:cNvSpPr txBox="1"/>
+          <p:cNvSpPr txBox="1">
+            <a:spLocks noGrp="1"/>
+          </p:cNvSpPr>
           <p:nvPr>
             <p:ph type="body" idx="1"/>
           </p:nvPr>
@@ -3654,13 +3764,11 @@
           <a:bodyPr/>
           <a:lstStyle/>
           <a:p>
-            <a:pPr/>
             <a:r>
               <a:t>Command used to list the apps in your splunk deployment</a:t>
             </a:r>
           </a:p>
           <a:p>
-            <a:pPr/>
             <a:r>
               <a:t>Usage:</a:t>
             </a:r>
@@ -3691,6 +3799,7 @@
                 <a:sym typeface="Courier"/>
               </a:defRPr>
             </a:pPr>
+            <a:endParaRPr/>
           </a:p>
           <a:p>
             <a:pPr marL="0" indent="0">
@@ -3703,6 +3812,7 @@
                 <a:sym typeface="Courier"/>
               </a:defRPr>
             </a:pPr>
+            <a:endParaRPr/>
           </a:p>
         </p:txBody>
       </p:sp>
@@ -3711,12 +3821,12 @@
   <p:clrMapOvr>
     <a:masterClrMapping/>
   </p:clrMapOvr>
-  <p:transition xmlns:p14="http://schemas.microsoft.com/office/powerpoint/2010/main" spd="med" advClick="1"/>
+  <p:transition spd="med"/>
 </p:sld>
 </file>
 
 <file path=ppt/slides/slide15.xml><?xml version="1.0" encoding="utf-8"?>
-<p:sld xmlns:a="http://schemas.openxmlformats.org/drawingml/2006/main" xmlns:r="http://schemas.openxmlformats.org/officeDocument/2006/relationships" xmlns:p="http://schemas.openxmlformats.org/presentationml/2006/main" showMasterSp="1" showMasterPhAnim="1">
+<p:sld xmlns:a="http://schemas.openxmlformats.org/drawingml/2006/main" xmlns:r="http://schemas.openxmlformats.org/officeDocument/2006/relationships" xmlns:p="http://schemas.openxmlformats.org/presentationml/2006/main">
   <p:cSld>
     <p:spTree>
       <p:nvGrpSpPr>
@@ -3735,7 +3845,9 @@
       <p:sp>
         <p:nvSpPr>
           <p:cNvPr id="161" name="opensplunk"/>
-          <p:cNvSpPr txBox="1"/>
+          <p:cNvSpPr txBox="1">
+            <a:spLocks noGrp="1"/>
+          </p:cNvSpPr>
           <p:nvPr>
             <p:ph type="title"/>
           </p:nvPr>
@@ -3749,7 +3861,6 @@
           <a:bodyPr/>
           <a:lstStyle/>
           <a:p>
-            <a:pPr/>
             <a:r>
               <a:t>opensplunk</a:t>
             </a:r>
@@ -3759,7 +3870,9 @@
       <p:sp>
         <p:nvSpPr>
           <p:cNvPr id="162" name="Shortcut to open your local splunk instance in your default browser…"/>
-          <p:cNvSpPr txBox="1"/>
+          <p:cNvSpPr txBox="1">
+            <a:spLocks noGrp="1"/>
+          </p:cNvSpPr>
           <p:nvPr>
             <p:ph type="body" idx="1"/>
           </p:nvPr>
@@ -3773,13 +3886,11 @@
           <a:bodyPr/>
           <a:lstStyle/>
           <a:p>
-            <a:pPr/>
             <a:r>
               <a:t>Shortcut to open your local splunk instance in your default browser</a:t>
             </a:r>
           </a:p>
           <a:p>
-            <a:pPr/>
             <a:r>
               <a:t>Usage:</a:t>
             </a:r>
@@ -3810,6 +3921,7 @@
                 <a:sym typeface="Courier"/>
               </a:defRPr>
             </a:pPr>
+            <a:endParaRPr/>
           </a:p>
           <a:p>
             <a:pPr marL="0" indent="0">
@@ -3822,6 +3934,7 @@
                 <a:sym typeface="Courier"/>
               </a:defRPr>
             </a:pPr>
+            <a:endParaRPr/>
           </a:p>
         </p:txBody>
       </p:sp>
@@ -3830,12 +3943,12 @@
   <p:clrMapOvr>
     <a:masterClrMapping/>
   </p:clrMapOvr>
-  <p:transition xmlns:p14="http://schemas.microsoft.com/office/powerpoint/2010/main" spd="med" advClick="1"/>
+  <p:transition spd="med"/>
 </p:sld>
 </file>
 
 <file path=ppt/slides/slide16.xml><?xml version="1.0" encoding="utf-8"?>
-<p:sld xmlns:a="http://schemas.openxmlformats.org/drawingml/2006/main" xmlns:r="http://schemas.openxmlformats.org/officeDocument/2006/relationships" xmlns:p="http://schemas.openxmlformats.org/presentationml/2006/main" showMasterSp="1" showMasterPhAnim="1">
+<p:sld xmlns:a="http://schemas.openxmlformats.org/drawingml/2006/main" xmlns:r="http://schemas.openxmlformats.org/officeDocument/2006/relationships" xmlns:p="http://schemas.openxmlformats.org/presentationml/2006/main">
   <p:cSld>
     <p:spTree>
       <p:nvGrpSpPr>
@@ -3854,7 +3967,9 @@
       <p:sp>
         <p:nvSpPr>
           <p:cNvPr id="164" name="restartsplunk"/>
-          <p:cNvSpPr txBox="1"/>
+          <p:cNvSpPr txBox="1">
+            <a:spLocks noGrp="1"/>
+          </p:cNvSpPr>
           <p:nvPr>
             <p:ph type="title"/>
           </p:nvPr>
@@ -3868,7 +3983,6 @@
           <a:bodyPr/>
           <a:lstStyle/>
           <a:p>
-            <a:pPr/>
             <a:r>
               <a:t>restartsplunk</a:t>
             </a:r>
@@ -3878,7 +3992,9 @@
       <p:sp>
         <p:nvSpPr>
           <p:cNvPr id="165" name="Command used to restart your splunk deployment…"/>
-          <p:cNvSpPr txBox="1"/>
+          <p:cNvSpPr txBox="1">
+            <a:spLocks noGrp="1"/>
+          </p:cNvSpPr>
           <p:nvPr>
             <p:ph type="body" idx="1"/>
           </p:nvPr>
@@ -3945,6 +4061,7 @@
                 <a:sym typeface="Courier"/>
               </a:defRPr>
             </a:pPr>
+            <a:endParaRPr/>
           </a:p>
           <a:p>
             <a:pPr marL="0" indent="0" defTabSz="543305">
@@ -3960,6 +4077,7 @@
                 <a:sym typeface="Courier"/>
               </a:defRPr>
             </a:pPr>
+            <a:endParaRPr/>
           </a:p>
           <a:p>
             <a:pPr marL="0" indent="0" defTabSz="543305">
@@ -3975,6 +4093,7 @@
                 <a:sym typeface="Courier"/>
               </a:defRPr>
             </a:pPr>
+            <a:endParaRPr/>
           </a:p>
         </p:txBody>
       </p:sp>
@@ -3983,12 +4102,12 @@
   <p:clrMapOvr>
     <a:masterClrMapping/>
   </p:clrMapOvr>
-  <p:transition xmlns:p14="http://schemas.microsoft.com/office/powerpoint/2010/main" spd="med" advClick="1"/>
+  <p:transition spd="med"/>
 </p:sld>
 </file>
 
 <file path=ppt/slides/slide17.xml><?xml version="1.0" encoding="utf-8"?>
-<p:sld xmlns:a="http://schemas.openxmlformats.org/drawingml/2006/main" xmlns:r="http://schemas.openxmlformats.org/officeDocument/2006/relationships" xmlns:p="http://schemas.openxmlformats.org/presentationml/2006/main" showMasterSp="1" showMasterPhAnim="1">
+<p:sld xmlns:a="http://schemas.openxmlformats.org/drawingml/2006/main" xmlns:r="http://schemas.openxmlformats.org/officeDocument/2006/relationships" xmlns:p="http://schemas.openxmlformats.org/presentationml/2006/main">
   <p:cSld>
     <p:spTree>
       <p:nvGrpSpPr>
@@ -4007,7 +4126,9 @@
       <p:sp>
         <p:nvSpPr>
           <p:cNvPr id="167" name="restoresplunk"/>
-          <p:cNvSpPr txBox="1"/>
+          <p:cNvSpPr txBox="1">
+            <a:spLocks noGrp="1"/>
+          </p:cNvSpPr>
           <p:nvPr>
             <p:ph type="title"/>
           </p:nvPr>
@@ -4021,7 +4142,6 @@
           <a:bodyPr/>
           <a:lstStyle/>
           <a:p>
-            <a:pPr/>
             <a:r>
               <a:t>restoresplunk</a:t>
             </a:r>
@@ -4031,7 +4151,9 @@
       <p:sp>
         <p:nvSpPr>
           <p:cNvPr id="168" name="Command used to restore your /etc/apps directory in a new splunk deployment. You must run backupsplunk first before using this command. The restore command will copy the /etc/apps folder from the backed up instance (splunk_instance_archive.tgz) to the new splunk deployment (/opt/splunk/splunk_new)…"/>
-          <p:cNvSpPr txBox="1"/>
+          <p:cNvSpPr txBox="1">
+            <a:spLocks noGrp="1"/>
+          </p:cNvSpPr>
           <p:nvPr>
             <p:ph type="body" idx="1"/>
           </p:nvPr>
@@ -4105,6 +4227,7 @@
                 <a:sym typeface="Courier"/>
               </a:defRPr>
             </a:pPr>
+            <a:endParaRPr/>
           </a:p>
           <a:p>
             <a:pPr marL="0" indent="0" defTabSz="473201">
@@ -4120,6 +4243,7 @@
                 <a:sym typeface="Courier"/>
               </a:defRPr>
             </a:pPr>
+            <a:endParaRPr/>
           </a:p>
         </p:txBody>
       </p:sp>
@@ -4128,12 +4252,12 @@
   <p:clrMapOvr>
     <a:masterClrMapping/>
   </p:clrMapOvr>
-  <p:transition xmlns:p14="http://schemas.microsoft.com/office/powerpoint/2010/main" spd="med" advClick="1"/>
+  <p:transition spd="med"/>
 </p:sld>
 </file>
 
 <file path=ppt/slides/slide18.xml><?xml version="1.0" encoding="utf-8"?>
-<p:sld xmlns:a="http://schemas.openxmlformats.org/drawingml/2006/main" xmlns:r="http://schemas.openxmlformats.org/officeDocument/2006/relationships" xmlns:p="http://schemas.openxmlformats.org/presentationml/2006/main" showMasterSp="1" showMasterPhAnim="1">
+<p:sld xmlns:a="http://schemas.openxmlformats.org/drawingml/2006/main" xmlns:r="http://schemas.openxmlformats.org/officeDocument/2006/relationships" xmlns:p="http://schemas.openxmlformats.org/presentationml/2006/main">
   <p:cSld>
     <p:spTree>
       <p:nvGrpSpPr>
@@ -4152,7 +4276,9 @@
       <p:sp>
         <p:nvSpPr>
           <p:cNvPr id="170" name="rmsplunk"/>
-          <p:cNvSpPr txBox="1"/>
+          <p:cNvSpPr txBox="1">
+            <a:spLocks noGrp="1"/>
+          </p:cNvSpPr>
           <p:nvPr>
             <p:ph type="title"/>
           </p:nvPr>
@@ -4166,7 +4292,6 @@
           <a:bodyPr/>
           <a:lstStyle/>
           <a:p>
-            <a:pPr/>
             <a:r>
               <a:t>rmsplunk</a:t>
             </a:r>
@@ -4176,7 +4301,9 @@
       <p:sp>
         <p:nvSpPr>
           <p:cNvPr id="171" name="Command used to remove your splunk deployment. Run backupsplunk &lt;splunk instance&gt; to backup your deployment’s /etc/apps directory before deleting it…"/>
-          <p:cNvSpPr txBox="1"/>
+          <p:cNvSpPr txBox="1">
+            <a:spLocks noGrp="1"/>
+          </p:cNvSpPr>
           <p:nvPr>
             <p:ph type="body" idx="1"/>
           </p:nvPr>
@@ -4250,6 +4377,7 @@
                 <a:sym typeface="Courier"/>
               </a:defRPr>
             </a:pPr>
+            <a:endParaRPr/>
           </a:p>
           <a:p>
             <a:pPr marL="0" indent="0" defTabSz="549148">
@@ -4265,6 +4393,7 @@
                 <a:sym typeface="Courier"/>
               </a:defRPr>
             </a:pPr>
+            <a:endParaRPr/>
           </a:p>
         </p:txBody>
       </p:sp>
@@ -4273,12 +4402,12 @@
   <p:clrMapOvr>
     <a:masterClrMapping/>
   </p:clrMapOvr>
-  <p:transition xmlns:p14="http://schemas.microsoft.com/office/powerpoint/2010/main" spd="med" advClick="1"/>
+  <p:transition spd="med"/>
 </p:sld>
 </file>
 
 <file path=ppt/slides/slide19.xml><?xml version="1.0" encoding="utf-8"?>
-<p:sld xmlns:a="http://schemas.openxmlformats.org/drawingml/2006/main" xmlns:r="http://schemas.openxmlformats.org/officeDocument/2006/relationships" xmlns:p="http://schemas.openxmlformats.org/presentationml/2006/main" showMasterSp="1" showMasterPhAnim="1">
+<p:sld xmlns:a="http://schemas.openxmlformats.org/drawingml/2006/main" xmlns:r="http://schemas.openxmlformats.org/officeDocument/2006/relationships" xmlns:p="http://schemas.openxmlformats.org/presentationml/2006/main">
   <p:cSld>
     <p:spTree>
       <p:nvGrpSpPr>
@@ -4297,7 +4426,9 @@
       <p:sp>
         <p:nvSpPr>
           <p:cNvPr id="173" name="splunkspace"/>
-          <p:cNvSpPr txBox="1"/>
+          <p:cNvSpPr txBox="1">
+            <a:spLocks noGrp="1"/>
+          </p:cNvSpPr>
           <p:nvPr>
             <p:ph type="title"/>
           </p:nvPr>
@@ -4311,7 +4442,6 @@
           <a:bodyPr/>
           <a:lstStyle/>
           <a:p>
-            <a:pPr/>
             <a:r>
               <a:t>splunkspace</a:t>
             </a:r>
@@ -4321,7 +4451,9 @@
       <p:sp>
         <p:nvSpPr>
           <p:cNvPr id="174" name="Command used to show the disk used with your splunk deployments…"/>
-          <p:cNvSpPr txBox="1"/>
+          <p:cNvSpPr txBox="1">
+            <a:spLocks noGrp="1"/>
+          </p:cNvSpPr>
           <p:nvPr>
             <p:ph type="body" idx="1"/>
           </p:nvPr>
@@ -4335,13 +4467,11 @@
           <a:bodyPr/>
           <a:lstStyle/>
           <a:p>
-            <a:pPr/>
             <a:r>
               <a:t>Command used to show the disk used with your splunk deployments</a:t>
             </a:r>
           </a:p>
           <a:p>
-            <a:pPr/>
             <a:r>
               <a:t>Usage:</a:t>
             </a:r>
@@ -4372,6 +4502,7 @@
                 <a:sym typeface="Courier"/>
               </a:defRPr>
             </a:pPr>
+            <a:endParaRPr/>
           </a:p>
           <a:p>
             <a:pPr marL="0" indent="0">
@@ -4384,6 +4515,7 @@
                 <a:sym typeface="Courier"/>
               </a:defRPr>
             </a:pPr>
+            <a:endParaRPr/>
           </a:p>
         </p:txBody>
       </p:sp>
@@ -4392,12 +4524,12 @@
   <p:clrMapOvr>
     <a:masterClrMapping/>
   </p:clrMapOvr>
-  <p:transition xmlns:p14="http://schemas.microsoft.com/office/powerpoint/2010/main" spd="med" advClick="1"/>
+  <p:transition spd="med"/>
 </p:sld>
 </file>
 
 <file path=ppt/slides/slide2.xml><?xml version="1.0" encoding="utf-8"?>
-<p:sld xmlns:a="http://schemas.openxmlformats.org/drawingml/2006/main" xmlns:r="http://schemas.openxmlformats.org/officeDocument/2006/relationships" xmlns:p="http://schemas.openxmlformats.org/presentationml/2006/main" showMasterSp="1" showMasterPhAnim="1">
+<p:sld xmlns:a="http://schemas.openxmlformats.org/drawingml/2006/main" xmlns:r="http://schemas.openxmlformats.org/officeDocument/2006/relationships" xmlns:p="http://schemas.openxmlformats.org/presentationml/2006/main">
   <p:cSld>
     <p:spTree>
       <p:nvGrpSpPr>
@@ -4416,7 +4548,9 @@
       <p:sp>
         <p:nvSpPr>
           <p:cNvPr id="122" name="Purpose"/>
-          <p:cNvSpPr txBox="1"/>
+          <p:cNvSpPr txBox="1">
+            <a:spLocks noGrp="1"/>
+          </p:cNvSpPr>
           <p:nvPr>
             <p:ph type="title"/>
           </p:nvPr>
@@ -4430,7 +4564,6 @@
           <a:bodyPr/>
           <a:lstStyle/>
           <a:p>
-            <a:pPr/>
             <a:r>
               <a:t>Purpose</a:t>
             </a:r>
@@ -4440,7 +4573,9 @@
       <p:sp>
         <p:nvSpPr>
           <p:cNvPr id="123" name="I created a simple method to create, upgrade and delete local Splunk instances…"/>
-          <p:cNvSpPr txBox="1"/>
+          <p:cNvSpPr txBox="1">
+            <a:spLocks noGrp="1"/>
+          </p:cNvSpPr>
           <p:nvPr>
             <p:ph type="body" idx="4294967295"/>
           </p:nvPr>
@@ -4454,25 +4589,22 @@
           <a:bodyPr/>
           <a:lstStyle/>
           <a:p>
-            <a:pPr/>
             <a:r>
               <a:t>I created a simple method to create, upgrade and delete local Splunk instances</a:t>
             </a:r>
           </a:p>
           <a:p>
-            <a:pPr/>
             <a:r>
               <a:t>Needed a way to simply backup and restore instances as well</a:t>
             </a:r>
           </a:p>
           <a:p>
-            <a:pPr/>
             <a:r>
               <a:t>Added the ability to license local instances too</a:t>
             </a:r>
           </a:p>
           <a:p>
-            <a:pPr/>
+            <a:endParaRPr/>
           </a:p>
         </p:txBody>
       </p:sp>
@@ -4481,12 +4613,12 @@
   <p:clrMapOvr>
     <a:masterClrMapping/>
   </p:clrMapOvr>
-  <p:transition xmlns:p14="http://schemas.microsoft.com/office/powerpoint/2010/main" spd="med" advClick="1"/>
+  <p:transition spd="med"/>
 </p:sld>
 </file>
 
 <file path=ppt/slides/slide20.xml><?xml version="1.0" encoding="utf-8"?>
-<p:sld xmlns:a="http://schemas.openxmlformats.org/drawingml/2006/main" xmlns:r="http://schemas.openxmlformats.org/officeDocument/2006/relationships" xmlns:p="http://schemas.openxmlformats.org/presentationml/2006/main" showMasterSp="1" showMasterPhAnim="1">
+<p:sld xmlns:a="http://schemas.openxmlformats.org/drawingml/2006/main" xmlns:r="http://schemas.openxmlformats.org/officeDocument/2006/relationships" xmlns:p="http://schemas.openxmlformats.org/presentationml/2006/main">
   <p:cSld>
     <p:spTree>
       <p:nvGrpSpPr>
@@ -4505,7 +4637,9 @@
       <p:sp>
         <p:nvSpPr>
           <p:cNvPr id="176" name="startsplunk"/>
-          <p:cNvSpPr txBox="1"/>
+          <p:cNvSpPr txBox="1">
+            <a:spLocks noGrp="1"/>
+          </p:cNvSpPr>
           <p:nvPr>
             <p:ph type="title"/>
           </p:nvPr>
@@ -4519,7 +4653,6 @@
           <a:bodyPr/>
           <a:lstStyle/>
           <a:p>
-            <a:pPr/>
             <a:r>
               <a:t>startsplunk</a:t>
             </a:r>
@@ -4529,7 +4662,9 @@
       <p:sp>
         <p:nvSpPr>
           <p:cNvPr id="177" name="Command used to start your splunk deployment…"/>
-          <p:cNvSpPr txBox="1"/>
+          <p:cNvSpPr txBox="1">
+            <a:spLocks noGrp="1"/>
+          </p:cNvSpPr>
           <p:nvPr>
             <p:ph type="body" idx="1"/>
           </p:nvPr>
@@ -4596,6 +4731,7 @@
                 <a:sym typeface="Courier"/>
               </a:defRPr>
             </a:pPr>
+            <a:endParaRPr/>
           </a:p>
           <a:p>
             <a:pPr marL="0" indent="0" defTabSz="543305">
@@ -4611,6 +4747,7 @@
                 <a:sym typeface="Courier"/>
               </a:defRPr>
             </a:pPr>
+            <a:endParaRPr/>
           </a:p>
           <a:p>
             <a:pPr marL="0" indent="0" defTabSz="543305">
@@ -4626,6 +4763,7 @@
                 <a:sym typeface="Courier"/>
               </a:defRPr>
             </a:pPr>
+            <a:endParaRPr/>
           </a:p>
         </p:txBody>
       </p:sp>
@@ -4634,12 +4772,12 @@
   <p:clrMapOvr>
     <a:masterClrMapping/>
   </p:clrMapOvr>
-  <p:transition xmlns:p14="http://schemas.microsoft.com/office/powerpoint/2010/main" spd="med" advClick="1"/>
+  <p:transition spd="med"/>
 </p:sld>
 </file>
 
 <file path=ppt/slides/slide21.xml><?xml version="1.0" encoding="utf-8"?>
-<p:sld xmlns:a="http://schemas.openxmlformats.org/drawingml/2006/main" xmlns:r="http://schemas.openxmlformats.org/officeDocument/2006/relationships" xmlns:p="http://schemas.openxmlformats.org/presentationml/2006/main" showMasterSp="1" showMasterPhAnim="1">
+<p:sld xmlns:a="http://schemas.openxmlformats.org/drawingml/2006/main" xmlns:r="http://schemas.openxmlformats.org/officeDocument/2006/relationships" xmlns:p="http://schemas.openxmlformats.org/presentationml/2006/main">
   <p:cSld>
     <p:spTree>
       <p:nvGrpSpPr>
@@ -4658,7 +4796,9 @@
       <p:sp>
         <p:nvSpPr>
           <p:cNvPr id="179" name="stopsplunk"/>
-          <p:cNvSpPr txBox="1"/>
+          <p:cNvSpPr txBox="1">
+            <a:spLocks noGrp="1"/>
+          </p:cNvSpPr>
           <p:nvPr>
             <p:ph type="title"/>
           </p:nvPr>
@@ -4672,7 +4812,6 @@
           <a:bodyPr/>
           <a:lstStyle/>
           <a:p>
-            <a:pPr/>
             <a:r>
               <a:t>stopsplunk</a:t>
             </a:r>
@@ -4682,7 +4821,9 @@
       <p:sp>
         <p:nvSpPr>
           <p:cNvPr id="180" name="Command used to stop your splunk deployment…"/>
-          <p:cNvSpPr txBox="1"/>
+          <p:cNvSpPr txBox="1">
+            <a:spLocks noGrp="1"/>
+          </p:cNvSpPr>
           <p:nvPr>
             <p:ph type="body" idx="1"/>
           </p:nvPr>
@@ -4749,6 +4890,7 @@
                 <a:sym typeface="Courier"/>
               </a:defRPr>
             </a:pPr>
+            <a:endParaRPr/>
           </a:p>
           <a:p>
             <a:pPr marL="0" indent="0" defTabSz="543305">
@@ -4764,6 +4906,7 @@
                 <a:sym typeface="Courier"/>
               </a:defRPr>
             </a:pPr>
+            <a:endParaRPr/>
           </a:p>
           <a:p>
             <a:pPr marL="0" indent="0" defTabSz="543305">
@@ -4779,6 +4922,7 @@
                 <a:sym typeface="Courier"/>
               </a:defRPr>
             </a:pPr>
+            <a:endParaRPr/>
           </a:p>
         </p:txBody>
       </p:sp>
@@ -4787,12 +4931,12 @@
   <p:clrMapOvr>
     <a:masterClrMapping/>
   </p:clrMapOvr>
-  <p:transition xmlns:p14="http://schemas.microsoft.com/office/powerpoint/2010/main" spd="med" advClick="1"/>
+  <p:transition spd="med"/>
 </p:sld>
 </file>
 
 <file path=ppt/slides/slide22.xml><?xml version="1.0" encoding="utf-8"?>
-<p:sld xmlns:a="http://schemas.openxmlformats.org/drawingml/2006/main" xmlns:r="http://schemas.openxmlformats.org/officeDocument/2006/relationships" xmlns:p="http://schemas.openxmlformats.org/presentationml/2006/main" showMasterSp="1" showMasterPhAnim="1">
+<p:sld xmlns:a="http://schemas.openxmlformats.org/drawingml/2006/main" xmlns:r="http://schemas.openxmlformats.org/officeDocument/2006/relationships" xmlns:p="http://schemas.openxmlformats.org/presentationml/2006/main">
   <p:cSld>
     <p:spTree>
       <p:nvGrpSpPr>
@@ -4811,7 +4955,9 @@
       <p:sp>
         <p:nvSpPr>
           <p:cNvPr id="182" name="upgradesplunk"/>
-          <p:cNvSpPr txBox="1"/>
+          <p:cNvSpPr txBox="1">
+            <a:spLocks noGrp="1"/>
+          </p:cNvSpPr>
           <p:nvPr>
             <p:ph type="title"/>
           </p:nvPr>
@@ -4825,7 +4971,6 @@
           <a:bodyPr/>
           <a:lstStyle/>
           <a:p>
-            <a:pPr/>
             <a:r>
               <a:t>upgradesplunk</a:t>
             </a:r>
@@ -4835,7 +4980,9 @@
       <p:sp>
         <p:nvSpPr>
           <p:cNvPr id="183" name="Command used to upgrade your splunk deployment…"/>
-          <p:cNvSpPr txBox="1"/>
+          <p:cNvSpPr txBox="1">
+            <a:spLocks noGrp="1"/>
+          </p:cNvSpPr>
           <p:nvPr>
             <p:ph type="body" idx="1"/>
           </p:nvPr>
@@ -4938,6 +5085,7 @@
                 <a:sym typeface="Courier"/>
               </a:defRPr>
             </a:pPr>
+            <a:endParaRPr/>
           </a:p>
           <a:p>
             <a:pPr marL="0" indent="0" defTabSz="443991">
@@ -4953,6 +5101,7 @@
                 <a:sym typeface="Courier"/>
               </a:defRPr>
             </a:pPr>
+            <a:endParaRPr/>
           </a:p>
         </p:txBody>
       </p:sp>
@@ -4961,12 +5110,12 @@
   <p:clrMapOvr>
     <a:masterClrMapping/>
   </p:clrMapOvr>
-  <p:transition xmlns:p14="http://schemas.microsoft.com/office/powerpoint/2010/main" spd="med" advClick="1"/>
+  <p:transition spd="med"/>
 </p:sld>
 </file>
 
 <file path=ppt/slides/slide23.xml><?xml version="1.0" encoding="utf-8"?>
-<p:sld xmlns:a="http://schemas.openxmlformats.org/drawingml/2006/main" xmlns:r="http://schemas.openxmlformats.org/officeDocument/2006/relationships" xmlns:p="http://schemas.openxmlformats.org/presentationml/2006/main" showMasterSp="1" showMasterPhAnim="1">
+<p:sld xmlns:a="http://schemas.openxmlformats.org/drawingml/2006/main" xmlns:r="http://schemas.openxmlformats.org/officeDocument/2006/relationships" xmlns:p="http://schemas.openxmlformats.org/presentationml/2006/main">
   <p:cSld>
     <p:spTree>
       <p:nvGrpSpPr>
@@ -4985,7 +5134,9 @@
       <p:sp>
         <p:nvSpPr>
           <p:cNvPr id="185" name="svm(list)"/>
-          <p:cNvSpPr txBox="1"/>
+          <p:cNvSpPr txBox="1">
+            <a:spLocks noGrp="1"/>
+          </p:cNvSpPr>
           <p:nvPr>
             <p:ph type="title"/>
           </p:nvPr>
@@ -4999,7 +5150,6 @@
           <a:bodyPr/>
           <a:lstStyle/>
           <a:p>
-            <a:pPr/>
             <a:r>
               <a:t>svm(list)</a:t>
             </a:r>
@@ -5009,7 +5159,9 @@
       <p:sp>
         <p:nvSpPr>
           <p:cNvPr id="186" name="SVM command has multiple subcommands. The list command shows all the splunk instances you have installed…"/>
-          <p:cNvSpPr txBox="1"/>
+          <p:cNvSpPr txBox="1">
+            <a:spLocks noGrp="1"/>
+          </p:cNvSpPr>
           <p:nvPr>
             <p:ph type="body" idx="1"/>
           </p:nvPr>
@@ -5083,6 +5235,7 @@
                 <a:sym typeface="Courier"/>
               </a:defRPr>
             </a:pPr>
+            <a:endParaRPr/>
           </a:p>
           <a:p>
             <a:pPr marL="0" indent="0" defTabSz="566674">
@@ -5098,6 +5251,7 @@
                 <a:sym typeface="Courier"/>
               </a:defRPr>
             </a:pPr>
+            <a:endParaRPr/>
           </a:p>
         </p:txBody>
       </p:sp>
@@ -5106,12 +5260,12 @@
   <p:clrMapOvr>
     <a:masterClrMapping/>
   </p:clrMapOvr>
-  <p:transition xmlns:p14="http://schemas.microsoft.com/office/powerpoint/2010/main" spd="med" advClick="1"/>
+  <p:transition spd="med"/>
 </p:sld>
 </file>
 
 <file path=ppt/slides/slide24.xml><?xml version="1.0" encoding="utf-8"?>
-<p:sld xmlns:a="http://schemas.openxmlformats.org/drawingml/2006/main" xmlns:r="http://schemas.openxmlformats.org/officeDocument/2006/relationships" xmlns:p="http://schemas.openxmlformats.org/presentationml/2006/main" showMasterSp="1" showMasterPhAnim="1">
+<p:sld xmlns:a="http://schemas.openxmlformats.org/drawingml/2006/main" xmlns:r="http://schemas.openxmlformats.org/officeDocument/2006/relationships" xmlns:p="http://schemas.openxmlformats.org/presentationml/2006/main">
   <p:cSld>
     <p:spTree>
       <p:nvGrpSpPr>
@@ -5130,7 +5284,9 @@
       <p:sp>
         <p:nvSpPr>
           <p:cNvPr id="188" name="svm(latest)"/>
-          <p:cNvSpPr txBox="1"/>
+          <p:cNvSpPr txBox="1">
+            <a:spLocks noGrp="1"/>
+          </p:cNvSpPr>
           <p:nvPr>
             <p:ph type="title"/>
           </p:nvPr>
@@ -5144,7 +5300,6 @@
           <a:bodyPr/>
           <a:lstStyle/>
           <a:p>
-            <a:pPr/>
             <a:r>
               <a:t>svm(latest)</a:t>
             </a:r>
@@ -5154,7 +5309,9 @@
       <p:sp>
         <p:nvSpPr>
           <p:cNvPr id="189" name="SVM command has multiple subcommands. The latest command shows the latest version of Splunk available for download…"/>
-          <p:cNvSpPr txBox="1"/>
+          <p:cNvSpPr txBox="1">
+            <a:spLocks noGrp="1"/>
+          </p:cNvSpPr>
           <p:nvPr>
             <p:ph type="body" idx="1"/>
           </p:nvPr>
@@ -5228,6 +5385,7 @@
                 <a:sym typeface="Courier"/>
               </a:defRPr>
             </a:pPr>
+            <a:endParaRPr/>
           </a:p>
           <a:p>
             <a:pPr marL="0" indent="0" defTabSz="549148">
@@ -5243,6 +5401,7 @@
                 <a:sym typeface="Courier"/>
               </a:defRPr>
             </a:pPr>
+            <a:endParaRPr/>
           </a:p>
         </p:txBody>
       </p:sp>
@@ -5251,12 +5410,12 @@
   <p:clrMapOvr>
     <a:masterClrMapping/>
   </p:clrMapOvr>
-  <p:transition xmlns:p14="http://schemas.microsoft.com/office/powerpoint/2010/main" spd="med" advClick="1"/>
+  <p:transition spd="med"/>
 </p:sld>
 </file>
 
 <file path=ppt/slides/slide25.xml><?xml version="1.0" encoding="utf-8"?>
-<p:sld xmlns:a="http://schemas.openxmlformats.org/drawingml/2006/main" xmlns:r="http://schemas.openxmlformats.org/officeDocument/2006/relationships" xmlns:p="http://schemas.openxmlformats.org/presentationml/2006/main" showMasterSp="1" showMasterPhAnim="1">
+<p:sld xmlns:a="http://schemas.openxmlformats.org/drawingml/2006/main" xmlns:r="http://schemas.openxmlformats.org/officeDocument/2006/relationships" xmlns:p="http://schemas.openxmlformats.org/presentationml/2006/main">
   <p:cSld>
     <p:spTree>
       <p:nvGrpSpPr>
@@ -5275,7 +5434,9 @@
       <p:sp>
         <p:nvSpPr>
           <p:cNvPr id="191" name="svm(running)"/>
-          <p:cNvSpPr txBox="1"/>
+          <p:cNvSpPr txBox="1">
+            <a:spLocks noGrp="1"/>
+          </p:cNvSpPr>
           <p:nvPr>
             <p:ph type="title"/>
           </p:nvPr>
@@ -5289,7 +5450,6 @@
           <a:bodyPr/>
           <a:lstStyle/>
           <a:p>
-            <a:pPr/>
             <a:r>
               <a:t>svm(running)</a:t>
             </a:r>
@@ -5299,7 +5459,9 @@
       <p:sp>
         <p:nvSpPr>
           <p:cNvPr id="192" name="SVM command has multiple subcommands. The running command shows the running instances of splunk on your laptop…"/>
-          <p:cNvSpPr txBox="1"/>
+          <p:cNvSpPr txBox="1">
+            <a:spLocks noGrp="1"/>
+          </p:cNvSpPr>
           <p:nvPr>
             <p:ph type="body" idx="1"/>
           </p:nvPr>
@@ -5373,6 +5535,7 @@
                 <a:sym typeface="Courier"/>
               </a:defRPr>
             </a:pPr>
+            <a:endParaRPr/>
           </a:p>
           <a:p>
             <a:pPr marL="0" indent="0" defTabSz="549148">
@@ -5388,6 +5551,7 @@
                 <a:sym typeface="Courier"/>
               </a:defRPr>
             </a:pPr>
+            <a:endParaRPr/>
           </a:p>
         </p:txBody>
       </p:sp>
@@ -5396,12 +5560,142 @@
   <p:clrMapOvr>
     <a:masterClrMapping/>
   </p:clrMapOvr>
-  <p:transition xmlns:p14="http://schemas.microsoft.com/office/powerpoint/2010/main" spd="med" advClick="1"/>
+  <p:transition spd="med"/>
 </p:sld>
 </file>
 
 <file path=ppt/slides/slide26.xml><?xml version="1.0" encoding="utf-8"?>
-<p:sld xmlns:a="http://schemas.openxmlformats.org/drawingml/2006/main" xmlns:r="http://schemas.openxmlformats.org/officeDocument/2006/relationships" xmlns:p="http://schemas.openxmlformats.org/presentationml/2006/main" showMasterSp="1" showMasterPhAnim="1">
+<p:sld xmlns:a="http://schemas.openxmlformats.org/drawingml/2006/main" xmlns:r="http://schemas.openxmlformats.org/officeDocument/2006/relationships" xmlns:p="http://schemas.openxmlformats.org/presentationml/2006/main">
+  <p:cSld>
+    <p:spTree>
+      <p:nvGrpSpPr>
+        <p:cNvPr id="1" name=""/>
+        <p:cNvGrpSpPr/>
+        <p:nvPr/>
+      </p:nvGrpSpPr>
+      <p:grpSpPr>
+        <a:xfrm>
+          <a:off x="0" y="0"/>
+          <a:ext cx="0" cy="0"/>
+          <a:chOff x="0" y="0"/>
+          <a:chExt cx="0" cy="0"/>
+        </a:xfrm>
+      </p:grpSpPr>
+      <p:sp>
+        <p:nvSpPr>
+          <p:cNvPr id="2" name="Title 1">
+            <a:extLst>
+              <a:ext uri="{FF2B5EF4-FFF2-40B4-BE49-F238E27FC236}">
+                <a16:creationId xmlns:a16="http://schemas.microsoft.com/office/drawing/2014/main" id="{B3139ED5-FB3F-964F-BF1F-664ED07F8540}"/>
+              </a:ext>
+            </a:extLst>
+          </p:cNvPr>
+          <p:cNvSpPr>
+            <a:spLocks noGrp="1"/>
+          </p:cNvSpPr>
+          <p:nvPr>
+            <p:ph type="title"/>
+          </p:nvPr>
+        </p:nvSpPr>
+        <p:spPr/>
+        <p:txBody>
+          <a:bodyPr/>
+          <a:lstStyle/>
+          <a:p>
+            <a:r>
+              <a:rPr lang="en-US" dirty="0"/>
+              <a:t>Install </a:t>
+            </a:r>
+            <a:r>
+              <a:rPr lang="en-US" dirty="0" err="1"/>
+              <a:t>Eventgen</a:t>
+            </a:r>
+            <a:endParaRPr lang="en-US" dirty="0"/>
+          </a:p>
+        </p:txBody>
+      </p:sp>
+      <p:sp>
+        <p:nvSpPr>
+          <p:cNvPr id="3" name="Text Placeholder 2">
+            <a:extLst>
+              <a:ext uri="{FF2B5EF4-FFF2-40B4-BE49-F238E27FC236}">
+                <a16:creationId xmlns:a16="http://schemas.microsoft.com/office/drawing/2014/main" id="{1877609C-089F-064F-A126-E33137696C87}"/>
+              </a:ext>
+            </a:extLst>
+          </p:cNvPr>
+          <p:cNvSpPr>
+            <a:spLocks noGrp="1"/>
+          </p:cNvSpPr>
+          <p:nvPr>
+            <p:ph type="body" idx="1"/>
+          </p:nvPr>
+        </p:nvSpPr>
+        <p:spPr/>
+        <p:txBody>
+          <a:bodyPr/>
+          <a:lstStyle/>
+          <a:p>
+            <a:r>
+              <a:rPr lang="en-US" dirty="0" err="1"/>
+              <a:t>wget</a:t>
+            </a:r>
+            <a:r>
+              <a:rPr lang="en-US" dirty="0"/>
+              <a:t> https://s3.amazonaws.com/</a:t>
+            </a:r>
+            <a:r>
+              <a:rPr lang="en-US" dirty="0" err="1"/>
+              <a:t>splunk</a:t>
+            </a:r>
+            <a:r>
+              <a:rPr lang="en-US" dirty="0"/>
+              <a:t>-bash-install/</a:t>
+            </a:r>
+            <a:r>
+              <a:rPr lang="en-US" dirty="0" err="1"/>
+              <a:t>install_eventgen.sh</a:t>
+            </a:r>
+            <a:r>
+              <a:rPr lang="en-US" dirty="0"/>
+              <a:t> </a:t>
+            </a:r>
+          </a:p>
+          <a:p>
+            <a:r>
+              <a:rPr lang="en-US" dirty="0" err="1"/>
+              <a:t>sh</a:t>
+            </a:r>
+            <a:r>
+              <a:rPr lang="en-US" dirty="0"/>
+              <a:t> </a:t>
+            </a:r>
+            <a:r>
+              <a:rPr lang="en-US" dirty="0" err="1"/>
+              <a:t>install_eventgen.sh</a:t>
+            </a:r>
+            <a:r>
+              <a:rPr lang="en-US" dirty="0"/>
+              <a:t> </a:t>
+            </a:r>
+          </a:p>
+        </p:txBody>
+      </p:sp>
+    </p:spTree>
+    <p:extLst>
+      <p:ext uri="{BB962C8B-B14F-4D97-AF65-F5344CB8AC3E}">
+        <p14:creationId xmlns:p14="http://schemas.microsoft.com/office/powerpoint/2010/main" val="2260935044"/>
+      </p:ext>
+    </p:extLst>
+  </p:cSld>
+  <p:clrMapOvr>
+    <a:masterClrMapping/>
+  </p:clrMapOvr>
+  <p:transition spd="med"/>
+</p:sld>
+</file>
+
+<file path=ppt/slides/slide27.xml><?xml version="1.0" encoding="utf-8"?>
+<p:sld xmlns:a="http://schemas.openxmlformats.org/drawingml/2006/main" xmlns:r="http://schemas.openxmlformats.org/officeDocument/2006/relationships" xmlns:p="http://schemas.openxmlformats.org/presentationml/2006/main">
   <p:cSld>
     <p:spTree>
       <p:nvGrpSpPr>
@@ -5420,7 +5714,9 @@
       <p:sp>
         <p:nvSpPr>
           <p:cNvPr id="194" name="Fin"/>
-          <p:cNvSpPr txBox="1"/>
+          <p:cNvSpPr txBox="1">
+            <a:spLocks noGrp="1"/>
+          </p:cNvSpPr>
           <p:nvPr>
             <p:ph type="title"/>
           </p:nvPr>
@@ -5434,7 +5730,6 @@
           <a:bodyPr/>
           <a:lstStyle/>
           <a:p>
-            <a:pPr/>
             <a:r>
               <a:t>Fin</a:t>
             </a:r>
@@ -5446,12 +5741,12 @@
   <p:clrMapOvr>
     <a:masterClrMapping/>
   </p:clrMapOvr>
-  <p:transition xmlns:p14="http://schemas.microsoft.com/office/powerpoint/2010/main" spd="med" advClick="1"/>
+  <p:transition spd="med"/>
 </p:sld>
 </file>
 
 <file path=ppt/slides/slide3.xml><?xml version="1.0" encoding="utf-8"?>
-<p:sld xmlns:a="http://schemas.openxmlformats.org/drawingml/2006/main" xmlns:r="http://schemas.openxmlformats.org/officeDocument/2006/relationships" xmlns:p="http://schemas.openxmlformats.org/presentationml/2006/main" showMasterSp="1" showMasterPhAnim="1">
+<p:sld xmlns:a="http://schemas.openxmlformats.org/drawingml/2006/main" xmlns:r="http://schemas.openxmlformats.org/officeDocument/2006/relationships" xmlns:p="http://schemas.openxmlformats.org/presentationml/2006/main">
   <p:cSld>
     <p:spTree>
       <p:nvGrpSpPr>
@@ -5470,7 +5765,9 @@
       <p:sp>
         <p:nvSpPr>
           <p:cNvPr id="125" name="Setup"/>
-          <p:cNvSpPr txBox="1"/>
+          <p:cNvSpPr txBox="1">
+            <a:spLocks noGrp="1"/>
+          </p:cNvSpPr>
           <p:nvPr>
             <p:ph type="title"/>
           </p:nvPr>
@@ -5484,7 +5781,6 @@
           <a:bodyPr/>
           <a:lstStyle/>
           <a:p>
-            <a:pPr/>
             <a:r>
               <a:t>Setup</a:t>
             </a:r>
@@ -5494,7 +5790,9 @@
       <p:sp>
         <p:nvSpPr>
           <p:cNvPr id="126" name="Download sample bashrc file: https://bit.ly/KamBash…"/>
-          <p:cNvSpPr txBox="1"/>
+          <p:cNvSpPr txBox="1">
+            <a:spLocks noGrp="1"/>
+          </p:cNvSpPr>
           <p:nvPr>
             <p:ph type="body" idx="4294967295"/>
           </p:nvPr>
@@ -5508,19 +5806,17 @@
           <a:bodyPr/>
           <a:lstStyle/>
           <a:p>
-            <a:pPr/>
             <a:r>
               <a:t>Download sample bashrc file: </a:t>
             </a:r>
             <a:r>
               <a:rPr u="sng">
-                <a:hlinkClick r:id="rId2" invalidUrl="" action="" tgtFrame="" tooltip="" history="1" highlightClick="0" endSnd="0"/>
+                <a:hlinkClick r:id="rId2"/>
               </a:rPr>
               <a:t>https://bit.ly/KamBash</a:t>
             </a:r>
           </a:p>
           <a:p>
-            <a:pPr/>
             <a:r>
               <a:t>Run this command:</a:t>
             </a:r>
@@ -5551,6 +5847,7 @@
                 <a:sym typeface="Courier"/>
               </a:defRPr>
             </a:pPr>
+            <a:endParaRPr/>
           </a:p>
           <a:p>
             <a:pPr marL="0" indent="0">
@@ -5563,6 +5860,7 @@
                 <a:sym typeface="Courier"/>
               </a:defRPr>
             </a:pPr>
+            <a:endParaRPr/>
           </a:p>
         </p:txBody>
       </p:sp>
@@ -5571,12 +5869,12 @@
   <p:clrMapOvr>
     <a:masterClrMapping/>
   </p:clrMapOvr>
-  <p:transition xmlns:p14="http://schemas.microsoft.com/office/powerpoint/2010/main" spd="med" advClick="1"/>
+  <p:transition spd="med"/>
 </p:sld>
 </file>
 
 <file path=ppt/slides/slide4.xml><?xml version="1.0" encoding="utf-8"?>
-<p:sld xmlns:a="http://schemas.openxmlformats.org/drawingml/2006/main" xmlns:r="http://schemas.openxmlformats.org/officeDocument/2006/relationships" xmlns:p="http://schemas.openxmlformats.org/presentationml/2006/main" showMasterSp="1" showMasterPhAnim="1">
+<p:sld xmlns:a="http://schemas.openxmlformats.org/drawingml/2006/main" xmlns:r="http://schemas.openxmlformats.org/officeDocument/2006/relationships" xmlns:p="http://schemas.openxmlformats.org/presentationml/2006/main">
   <p:cSld>
     <p:spTree>
       <p:nvGrpSpPr>
@@ -5595,7 +5893,9 @@
       <p:sp>
         <p:nvSpPr>
           <p:cNvPr id="128" name="Folder Structure"/>
-          <p:cNvSpPr txBox="1"/>
+          <p:cNvSpPr txBox="1">
+            <a:spLocks noGrp="1"/>
+          </p:cNvSpPr>
           <p:nvPr>
             <p:ph type="title"/>
           </p:nvPr>
@@ -5609,7 +5909,6 @@
           <a:bodyPr/>
           <a:lstStyle/>
           <a:p>
-            <a:pPr/>
             <a:r>
               <a:t>Folder Structure</a:t>
             </a:r>
@@ -5619,7 +5918,9 @@
       <p:sp>
         <p:nvSpPr>
           <p:cNvPr id="129" name="/opt…"/>
-          <p:cNvSpPr txBox="1"/>
+          <p:cNvSpPr txBox="1">
+            <a:spLocks noGrp="1"/>
+          </p:cNvSpPr>
           <p:nvPr>
             <p:ph type="body" idx="4294967295"/>
           </p:nvPr>
@@ -5651,7 +5952,7 @@
             </a:r>
           </a:p>
           <a:p>
-            <a:pPr lvl="2" marL="0" indent="0" defTabSz="467359">
+            <a:pPr marL="0" lvl="2" indent="0" defTabSz="467359">
               <a:spcBef>
                 <a:spcPts val="3300"/>
               </a:spcBef>
@@ -5669,7 +5970,7 @@
             </a:r>
           </a:p>
           <a:p>
-            <a:pPr lvl="4" marL="0" indent="0" defTabSz="467359">
+            <a:pPr marL="0" lvl="4" indent="0" defTabSz="467359">
               <a:spcBef>
                 <a:spcPts val="3300"/>
               </a:spcBef>
@@ -5687,7 +5988,7 @@
             </a:r>
           </a:p>
           <a:p>
-            <a:pPr lvl="4" marL="0" indent="0" algn="ctr" defTabSz="467359">
+            <a:pPr marL="0" lvl="4" indent="0" algn="ctr" defTabSz="467359">
               <a:spcBef>
                 <a:spcPts val="3300"/>
               </a:spcBef>
@@ -5700,7 +6001,7 @@
             </a:r>
           </a:p>
           <a:p>
-            <a:pPr lvl="4" marL="0" indent="0" defTabSz="467359">
+            <a:pPr marL="0" lvl="4" indent="0" defTabSz="467359">
               <a:spcBef>
                 <a:spcPts val="3300"/>
               </a:spcBef>
@@ -5713,7 +6014,7 @@
             </a:r>
           </a:p>
           <a:p>
-            <a:pPr lvl="4" marL="0" indent="0" defTabSz="467359">
+            <a:pPr marL="0" lvl="4" indent="0" defTabSz="467359">
               <a:spcBef>
                 <a:spcPts val="3300"/>
               </a:spcBef>
@@ -5721,6 +6022,7 @@
               <a:buNone/>
               <a:defRPr sz="2560"/>
             </a:pPr>
+            <a:endParaRPr/>
           </a:p>
         </p:txBody>
       </p:sp>
@@ -5729,12 +6031,12 @@
   <p:clrMapOvr>
     <a:masterClrMapping/>
   </p:clrMapOvr>
-  <p:transition xmlns:p14="http://schemas.microsoft.com/office/powerpoint/2010/main" spd="med" advClick="1"/>
+  <p:transition spd="med"/>
 </p:sld>
 </file>
 
 <file path=ppt/slides/slide5.xml><?xml version="1.0" encoding="utf-8"?>
-<p:sld xmlns:a="http://schemas.openxmlformats.org/drawingml/2006/main" xmlns:r="http://schemas.openxmlformats.org/officeDocument/2006/relationships" xmlns:p="http://schemas.openxmlformats.org/presentationml/2006/main" showMasterSp="1" showMasterPhAnim="1">
+<p:sld xmlns:a="http://schemas.openxmlformats.org/drawingml/2006/main" xmlns:r="http://schemas.openxmlformats.org/officeDocument/2006/relationships" xmlns:p="http://schemas.openxmlformats.org/presentationml/2006/main">
   <p:cSld>
     <p:spTree>
       <p:nvGrpSpPr>
@@ -5753,7 +6055,9 @@
       <p:sp>
         <p:nvSpPr>
           <p:cNvPr id="131" name="Hydrate Splunk Upgrade"/>
-          <p:cNvSpPr txBox="1"/>
+          <p:cNvSpPr txBox="1">
+            <a:spLocks noGrp="1"/>
+          </p:cNvSpPr>
           <p:nvPr>
             <p:ph type="title"/>
           </p:nvPr>
@@ -5771,7 +6075,6 @@
             </a:lvl1pPr>
           </a:lstStyle>
           <a:p>
-            <a:pPr/>
             <a:r>
               <a:t>Hydrate Splunk Upgrade </a:t>
             </a:r>
@@ -5781,7 +6084,9 @@
       <p:sp>
         <p:nvSpPr>
           <p:cNvPr id="132" name="1. Download latest .TGZ Splunk version from www.splunk.com…"/>
-          <p:cNvSpPr txBox="1"/>
+          <p:cNvSpPr txBox="1">
+            <a:spLocks noGrp="1"/>
+          </p:cNvSpPr>
           <p:nvPr>
             <p:ph type="body" idx="4294967295"/>
           </p:nvPr>
@@ -5804,7 +6109,7 @@
             </a:r>
             <a:r>
               <a:rPr u="sng">
-                <a:hlinkClick r:id="rId2" invalidUrl="" action="" tgtFrame="" tooltip="" history="1" highlightClick="0" endSnd="0"/>
+                <a:hlinkClick r:id="rId2"/>
               </a:rPr>
               <a:t>www.splunk.com</a:t>
             </a:r>
@@ -5818,6 +6123,9 @@
               <a:buNone/>
               <a:defRPr sz="2800"/>
             </a:pPr>
+            <a:endParaRPr u="sng">
+              <a:hlinkClick r:id="rId2"/>
+            </a:endParaRPr>
           </a:p>
           <a:p>
             <a:pPr marL="0" indent="0">
@@ -5858,6 +6166,7 @@
                 <a:sym typeface="Courier"/>
               </a:defRPr>
             </a:pPr>
+            <a:endParaRPr/>
           </a:p>
         </p:txBody>
       </p:sp>
@@ -5866,12 +6175,12 @@
   <p:clrMapOvr>
     <a:masterClrMapping/>
   </p:clrMapOvr>
-  <p:transition xmlns:p14="http://schemas.microsoft.com/office/powerpoint/2010/main" spd="med" advClick="1"/>
+  <p:transition spd="med"/>
 </p:sld>
 </file>
 
 <file path=ppt/slides/slide6.xml><?xml version="1.0" encoding="utf-8"?>
-<p:sld xmlns:a="http://schemas.openxmlformats.org/drawingml/2006/main" xmlns:r="http://schemas.openxmlformats.org/officeDocument/2006/relationships" xmlns:p="http://schemas.openxmlformats.org/presentationml/2006/main" showMasterSp="1" showMasterPhAnim="1">
+<p:sld xmlns:a="http://schemas.openxmlformats.org/drawingml/2006/main" xmlns:r="http://schemas.openxmlformats.org/officeDocument/2006/relationships" xmlns:p="http://schemas.openxmlformats.org/presentationml/2006/main">
   <p:cSld>
     <p:spTree>
       <p:nvGrpSpPr>
@@ -5890,7 +6199,9 @@
       <p:sp>
         <p:nvSpPr>
           <p:cNvPr id="134" name="Add Splunk License"/>
-          <p:cNvSpPr txBox="1"/>
+          <p:cNvSpPr txBox="1">
+            <a:spLocks noGrp="1"/>
+          </p:cNvSpPr>
           <p:nvPr>
             <p:ph type="title"/>
           </p:nvPr>
@@ -5904,7 +6215,6 @@
           <a:bodyPr/>
           <a:lstStyle/>
           <a:p>
-            <a:pPr/>
             <a:r>
               <a:t>Add Splunk License</a:t>
             </a:r>
@@ -5914,7 +6224,9 @@
       <p:sp>
         <p:nvSpPr>
           <p:cNvPr id="135" name="Update the $SPLUNK_LIC variable in your ~/.profile…"/>
-          <p:cNvSpPr txBox="1"/>
+          <p:cNvSpPr txBox="1">
+            <a:spLocks noGrp="1"/>
+          </p:cNvSpPr>
           <p:nvPr>
             <p:ph type="body" idx="4294967295"/>
           </p:nvPr>
@@ -6007,6 +6319,7 @@
               <a:buNone/>
               <a:defRPr sz="3008"/>
             </a:pPr>
+            <a:endParaRPr/>
           </a:p>
         </p:txBody>
       </p:sp>
@@ -6015,12 +6328,12 @@
   <p:clrMapOvr>
     <a:masterClrMapping/>
   </p:clrMapOvr>
-  <p:transition xmlns:p14="http://schemas.microsoft.com/office/powerpoint/2010/main" spd="med" advClick="1"/>
+  <p:transition spd="med"/>
 </p:sld>
 </file>
 
 <file path=ppt/slides/slide7.xml><?xml version="1.0" encoding="utf-8"?>
-<p:sld xmlns:a="http://schemas.openxmlformats.org/drawingml/2006/main" xmlns:r="http://schemas.openxmlformats.org/officeDocument/2006/relationships" xmlns:p="http://schemas.openxmlformats.org/presentationml/2006/main" showMasterSp="1" showMasterPhAnim="1">
+<p:sld xmlns:a="http://schemas.openxmlformats.org/drawingml/2006/main" xmlns:r="http://schemas.openxmlformats.org/officeDocument/2006/relationships" xmlns:p="http://schemas.openxmlformats.org/presentationml/2006/main">
   <p:cSld>
     <p:spTree>
       <p:nvGrpSpPr>
@@ -6039,7 +6352,9 @@
       <p:sp>
         <p:nvSpPr>
           <p:cNvPr id="137" name="List of Commands"/>
-          <p:cNvSpPr txBox="1"/>
+          <p:cNvSpPr txBox="1">
+            <a:spLocks noGrp="1"/>
+          </p:cNvSpPr>
           <p:nvPr>
             <p:ph type="title"/>
           </p:nvPr>
@@ -6053,7 +6368,6 @@
           <a:bodyPr/>
           <a:lstStyle/>
           <a:p>
-            <a:pPr/>
             <a:r>
               <a:t>List of Commands</a:t>
             </a:r>
@@ -6070,17 +6384,41 @@
           <a:off x="952500" y="1885950"/>
           <a:ext cx="11099800" cy="6286500"/>
         </p:xfrm>
-        <a:graphic xmlns:a="http://schemas.openxmlformats.org/drawingml/2006/main">
+        <a:graphic>
           <a:graphicData uri="http://schemas.openxmlformats.org/drawingml/2006/table">
             <a:tbl>
-              <a:tblPr firstCol="0" firstRow="1" lastCol="0" lastRow="0" bandCol="0" bandRow="0" rtl="0">
+              <a:tblPr firstRow="1">
                 <a:tableStyleId>{2708684C-4D16-4618-839F-0558EEFCDFE6}</a:tableStyleId>
               </a:tblPr>
               <a:tblGrid>
-                <a:gridCol w="2774950"/>
-                <a:gridCol w="2774950"/>
-                <a:gridCol w="2774950"/>
-                <a:gridCol w="2774950"/>
+                <a:gridCol w="2774950">
+                  <a:extLst>
+                    <a:ext uri="{9D8B030D-6E8A-4147-A177-3AD203B41FA5}">
+                      <a16:colId xmlns:a16="http://schemas.microsoft.com/office/drawing/2014/main" val="20000"/>
+                    </a:ext>
+                  </a:extLst>
+                </a:gridCol>
+                <a:gridCol w="2774950">
+                  <a:extLst>
+                    <a:ext uri="{9D8B030D-6E8A-4147-A177-3AD203B41FA5}">
+                      <a16:colId xmlns:a16="http://schemas.microsoft.com/office/drawing/2014/main" val="20001"/>
+                    </a:ext>
+                  </a:extLst>
+                </a:gridCol>
+                <a:gridCol w="2774950">
+                  <a:extLst>
+                    <a:ext uri="{9D8B030D-6E8A-4147-A177-3AD203B41FA5}">
+                      <a16:colId xmlns:a16="http://schemas.microsoft.com/office/drawing/2014/main" val="20002"/>
+                    </a:ext>
+                  </a:extLst>
+                </a:gridCol>
+                <a:gridCol w="2774950">
+                  <a:extLst>
+                    <a:ext uri="{9D8B030D-6E8A-4147-A177-3AD203B41FA5}">
+                      <a16:colId xmlns:a16="http://schemas.microsoft.com/office/drawing/2014/main" val="20003"/>
+                    </a:ext>
+                  </a:extLst>
+                </a:gridCol>
               </a:tblGrid>
               <a:tr h="1257300">
                 <a:tc>
@@ -6092,7 +6430,7 @@
                         <a:tabLst>
                           <a:tab pos="1181100" algn="l"/>
                         </a:tabLst>
-                        <a:defRPr b="0" sz="1800"/>
+                        <a:defRPr sz="1800" b="0"/>
                       </a:pPr>
                       <a:r>
                         <a:rPr sz="2200">
@@ -6102,7 +6440,7 @@
                       </a:r>
                     </a:p>
                   </a:txBody>
-                  <a:tcPr marL="50800" marR="50800" marT="50800" marB="50800" anchor="ctr" anchorCtr="0" horzOverflow="overflow">
+                  <a:tcPr marL="50800" marR="50800" marT="50800" marB="50800" anchor="ctr" horzOverflow="overflow">
                     <a:lnL w="12700">
                       <a:miter lim="400000"/>
                     </a:lnL>
@@ -6117,7 +6455,7 @@
                         <a:tabLst>
                           <a:tab pos="1181100" algn="l"/>
                         </a:tabLst>
-                        <a:defRPr b="0" sz="1800"/>
+                        <a:defRPr sz="1800" b="0"/>
                       </a:pPr>
                       <a:r>
                         <a:rPr sz="2200">
@@ -6127,7 +6465,7 @@
                       </a:r>
                     </a:p>
                   </a:txBody>
-                  <a:tcPr marL="50800" marR="50800" marT="50800" marB="50800" anchor="ctr" anchorCtr="0" horzOverflow="overflow"/>
+                  <a:tcPr marL="50800" marR="50800" marT="50800" marB="50800" anchor="ctr" horzOverflow="overflow"/>
                 </a:tc>
                 <a:tc>
                   <a:txBody>
@@ -6138,7 +6476,7 @@
                         <a:tabLst>
                           <a:tab pos="1181100" algn="l"/>
                         </a:tabLst>
-                        <a:defRPr b="0" sz="1800"/>
+                        <a:defRPr sz="1800" b="0"/>
                       </a:pPr>
                       <a:r>
                         <a:rPr sz="2200">
@@ -6148,7 +6486,7 @@
                       </a:r>
                     </a:p>
                   </a:txBody>
-                  <a:tcPr marL="50800" marR="50800" marT="50800" marB="50800" anchor="ctr" anchorCtr="0" horzOverflow="overflow"/>
+                  <a:tcPr marL="50800" marR="50800" marT="50800" marB="50800" anchor="ctr" horzOverflow="overflow"/>
                 </a:tc>
                 <a:tc>
                   <a:txBody>
@@ -6159,17 +6497,17 @@
                         <a:tabLst>
                           <a:tab pos="1181100" algn="l"/>
                         </a:tabLst>
-                        <a:defRPr b="0" sz="1800"/>
+                        <a:defRPr sz="1800" b="0"/>
                       </a:pPr>
                       <a:r>
-                        <a:rPr b="1" sz="2200">
+                        <a:rPr sz="2200" b="1">
                           <a:sym typeface="Helvetica Neue"/>
                         </a:rPr>
                         <a:t>svm</a:t>
                       </a:r>
                     </a:p>
                   </a:txBody>
-                  <a:tcPr marL="50800" marR="50800" marT="50800" marB="50800" anchor="ctr" anchorCtr="0" horzOverflow="overflow">
+                  <a:tcPr marL="50800" marR="50800" marT="50800" marB="50800" anchor="ctr" horzOverflow="overflow">
                     <a:lnR w="12700">
                       <a:miter lim="400000"/>
                     </a:lnR>
@@ -6178,6 +6516,11 @@
                     </a:solidFill>
                   </a:tcPr>
                 </a:tc>
+                <a:extLst>
+                  <a:ext uri="{0D108BD9-81ED-4DB2-BD59-A6C34878D82A}">
+                    <a16:rowId xmlns:a16="http://schemas.microsoft.com/office/drawing/2014/main" val="10000"/>
+                  </a:ext>
+                </a:extLst>
               </a:tr>
               <a:tr h="1257300">
                 <a:tc>
@@ -6196,7 +6539,7 @@
                       </a:r>
                     </a:p>
                   </a:txBody>
-                  <a:tcPr marL="50800" marR="50800" marT="50800" marB="50800" anchor="ctr" anchorCtr="0" horzOverflow="overflow">
+                  <a:tcPr marL="50800" marR="50800" marT="50800" marB="50800" anchor="ctr" horzOverflow="overflow">
                     <a:lnL w="12700">
                       <a:miter lim="400000"/>
                     </a:lnL>
@@ -6218,7 +6561,7 @@
                       </a:r>
                     </a:p>
                   </a:txBody>
-                  <a:tcPr marL="50800" marR="50800" marT="50800" marB="50800" anchor="ctr" anchorCtr="0" horzOverflow="overflow"/>
+                  <a:tcPr marL="50800" marR="50800" marT="50800" marB="50800" anchor="ctr" horzOverflow="overflow"/>
                 </a:tc>
                 <a:tc>
                   <a:txBody>
@@ -6236,7 +6579,7 @@
                       </a:r>
                     </a:p>
                   </a:txBody>
-                  <a:tcPr marL="50800" marR="50800" marT="50800" marB="50800" anchor="ctr" anchorCtr="0" horzOverflow="overflow"/>
+                  <a:tcPr marL="50800" marR="50800" marT="50800" marB="50800" anchor="ctr" horzOverflow="overflow"/>
                 </a:tc>
                 <a:tc>
                   <a:txBody>
@@ -6254,7 +6597,7 @@
                       </a:r>
                     </a:p>
                   </a:txBody>
-                  <a:tcPr marL="50800" marR="50800" marT="50800" marB="50800" anchor="ctr" anchorCtr="0" horzOverflow="overflow">
+                  <a:tcPr marL="50800" marR="50800" marT="50800" marB="50800" anchor="ctr" horzOverflow="overflow">
                     <a:lnR w="12700">
                       <a:miter lim="400000"/>
                     </a:lnR>
@@ -6263,6 +6606,11 @@
                     </a:solidFill>
                   </a:tcPr>
                 </a:tc>
+                <a:extLst>
+                  <a:ext uri="{0D108BD9-81ED-4DB2-BD59-A6C34878D82A}">
+                    <a16:rowId xmlns:a16="http://schemas.microsoft.com/office/drawing/2014/main" val="10001"/>
+                  </a:ext>
+                </a:extLst>
               </a:tr>
               <a:tr h="1257300">
                 <a:tc>
@@ -6281,7 +6629,7 @@
                       </a:r>
                     </a:p>
                   </a:txBody>
-                  <a:tcPr marL="50800" marR="50800" marT="50800" marB="50800" anchor="ctr" anchorCtr="0" horzOverflow="overflow">
+                  <a:tcPr marL="50800" marR="50800" marT="50800" marB="50800" anchor="ctr" horzOverflow="overflow">
                     <a:lnL w="12700">
                       <a:miter lim="400000"/>
                     </a:lnL>
@@ -6303,7 +6651,7 @@
                       </a:r>
                     </a:p>
                   </a:txBody>
-                  <a:tcPr marL="50800" marR="50800" marT="50800" marB="50800" anchor="ctr" anchorCtr="0" horzOverflow="overflow"/>
+                  <a:tcPr marL="50800" marR="50800" marT="50800" marB="50800" anchor="ctr" horzOverflow="overflow"/>
                 </a:tc>
                 <a:tc>
                   <a:txBody>
@@ -6321,7 +6669,7 @@
                       </a:r>
                     </a:p>
                   </a:txBody>
-                  <a:tcPr marL="50800" marR="50800" marT="50800" marB="50800" anchor="ctr" anchorCtr="0" horzOverflow="overflow"/>
+                  <a:tcPr marL="50800" marR="50800" marT="50800" marB="50800" anchor="ctr" horzOverflow="overflow"/>
                 </a:tc>
                 <a:tc>
                   <a:txBody>
@@ -6339,7 +6687,7 @@
                       </a:r>
                     </a:p>
                   </a:txBody>
-                  <a:tcPr marL="50800" marR="50800" marT="50800" marB="50800" anchor="ctr" anchorCtr="0" horzOverflow="overflow">
+                  <a:tcPr marL="50800" marR="50800" marT="50800" marB="50800" anchor="ctr" horzOverflow="overflow">
                     <a:lnR w="12700">
                       <a:miter lim="400000"/>
                     </a:lnR>
@@ -6348,6 +6696,11 @@
                     </a:solidFill>
                   </a:tcPr>
                 </a:tc>
+                <a:extLst>
+                  <a:ext uri="{0D108BD9-81ED-4DB2-BD59-A6C34878D82A}">
+                    <a16:rowId xmlns:a16="http://schemas.microsoft.com/office/drawing/2014/main" val="10002"/>
+                  </a:ext>
+                </a:extLst>
               </a:tr>
               <a:tr h="1257300">
                 <a:tc>
@@ -6366,7 +6719,7 @@
                       </a:r>
                     </a:p>
                   </a:txBody>
-                  <a:tcPr marL="50800" marR="50800" marT="50800" marB="50800" anchor="ctr" anchorCtr="0" horzOverflow="overflow">
+                  <a:tcPr marL="50800" marR="50800" marT="50800" marB="50800" anchor="ctr" horzOverflow="overflow">
                     <a:lnL w="12700">
                       <a:miter lim="400000"/>
                     </a:lnL>
@@ -6388,7 +6741,7 @@
                       </a:r>
                     </a:p>
                   </a:txBody>
-                  <a:tcPr marL="50800" marR="50800" marT="50800" marB="50800" anchor="ctr" anchorCtr="0" horzOverflow="overflow"/>
+                  <a:tcPr marL="50800" marR="50800" marT="50800" marB="50800" anchor="ctr" horzOverflow="overflow"/>
                 </a:tc>
                 <a:tc>
                   <a:txBody>
@@ -6406,7 +6759,7 @@
                       </a:r>
                     </a:p>
                   </a:txBody>
-                  <a:tcPr marL="50800" marR="50800" marT="50800" marB="50800" anchor="ctr" anchorCtr="0" horzOverflow="overflow"/>
+                  <a:tcPr marL="50800" marR="50800" marT="50800" marB="50800" anchor="ctr" horzOverflow="overflow"/>
                 </a:tc>
                 <a:tc>
                   <a:txBody>
@@ -6424,7 +6777,7 @@
                       </a:r>
                     </a:p>
                   </a:txBody>
-                  <a:tcPr marL="50800" marR="50800" marT="50800" marB="50800" anchor="ctr" anchorCtr="0" horzOverflow="overflow">
+                  <a:tcPr marL="50800" marR="50800" marT="50800" marB="50800" anchor="ctr" horzOverflow="overflow">
                     <a:lnR w="12700">
                       <a:miter lim="400000"/>
                     </a:lnR>
@@ -6433,6 +6786,11 @@
                     </a:solidFill>
                   </a:tcPr>
                 </a:tc>
+                <a:extLst>
+                  <a:ext uri="{0D108BD9-81ED-4DB2-BD59-A6C34878D82A}">
+                    <a16:rowId xmlns:a16="http://schemas.microsoft.com/office/drawing/2014/main" val="10003"/>
+                  </a:ext>
+                </a:extLst>
               </a:tr>
               <a:tr h="1257300">
                 <a:tc>
@@ -6451,7 +6809,7 @@
                       </a:r>
                     </a:p>
                   </a:txBody>
-                  <a:tcPr marL="50800" marR="50800" marT="50800" marB="50800" anchor="ctr" anchorCtr="0" horzOverflow="overflow">
+                  <a:tcPr marL="50800" marR="50800" marT="50800" marB="50800" anchor="ctr" horzOverflow="overflow">
                     <a:lnL w="12700">
                       <a:miter lim="400000"/>
                     </a:lnL>
@@ -6476,7 +6834,7 @@
                       </a:r>
                     </a:p>
                   </a:txBody>
-                  <a:tcPr marL="50800" marR="50800" marT="50800" marB="50800" anchor="ctr" anchorCtr="0" horzOverflow="overflow">
+                  <a:tcPr marL="50800" marR="50800" marT="50800" marB="50800" anchor="ctr" horzOverflow="overflow">
                     <a:lnB w="12700">
                       <a:miter lim="400000"/>
                     </a:lnB>
@@ -6498,7 +6856,7 @@
                       </a:r>
                     </a:p>
                   </a:txBody>
-                  <a:tcPr marL="50800" marR="50800" marT="50800" marB="50800" anchor="ctr" anchorCtr="0" horzOverflow="overflow">
+                  <a:tcPr marL="50800" marR="50800" marT="50800" marB="50800" anchor="ctr" horzOverflow="overflow">
                     <a:lnB w="12700">
                       <a:miter lim="400000"/>
                     </a:lnB>
@@ -6514,9 +6872,10 @@
                           <a:sym typeface="Helvetica Neue"/>
                         </a:defRPr>
                       </a:pPr>
+                      <a:endParaRPr/>
                     </a:p>
                   </a:txBody>
-                  <a:tcPr marL="50800" marR="50800" marT="50800" marB="50800" anchor="ctr" anchorCtr="0" horzOverflow="overflow">
+                  <a:tcPr marL="50800" marR="50800" marT="50800" marB="50800" anchor="ctr" horzOverflow="overflow">
                     <a:lnR w="12700">
                       <a:miter lim="400000"/>
                     </a:lnR>
@@ -6528,6 +6887,11 @@
                     </a:solidFill>
                   </a:tcPr>
                 </a:tc>
+                <a:extLst>
+                  <a:ext uri="{0D108BD9-81ED-4DB2-BD59-A6C34878D82A}">
+                    <a16:rowId xmlns:a16="http://schemas.microsoft.com/office/drawing/2014/main" val="10004"/>
+                  </a:ext>
+                </a:extLst>
               </a:tr>
             </a:tbl>
           </a:graphicData>
@@ -6538,12 +6902,12 @@
   <p:clrMapOvr>
     <a:masterClrMapping/>
   </p:clrMapOvr>
-  <p:transition xmlns:p14="http://schemas.microsoft.com/office/powerpoint/2010/main" spd="med" advClick="1"/>
+  <p:transition spd="med"/>
 </p:sld>
 </file>
 
 <file path=ppt/slides/slide8.xml><?xml version="1.0" encoding="utf-8"?>
-<p:sld xmlns:a="http://schemas.openxmlformats.org/drawingml/2006/main" xmlns:r="http://schemas.openxmlformats.org/officeDocument/2006/relationships" xmlns:p="http://schemas.openxmlformats.org/presentationml/2006/main" showMasterSp="1" showMasterPhAnim="1">
+<p:sld xmlns:a="http://schemas.openxmlformats.org/drawingml/2006/main" xmlns:r="http://schemas.openxmlformats.org/officeDocument/2006/relationships" xmlns:p="http://schemas.openxmlformats.org/presentationml/2006/main">
   <p:cSld>
     <p:spTree>
       <p:nvGrpSpPr>
@@ -6562,7 +6926,9 @@
       <p:sp>
         <p:nvSpPr>
           <p:cNvPr id="140" name="addlic"/>
-          <p:cNvSpPr txBox="1"/>
+          <p:cNvSpPr txBox="1">
+            <a:spLocks noGrp="1"/>
+          </p:cNvSpPr>
           <p:nvPr>
             <p:ph type="title"/>
           </p:nvPr>
@@ -6576,7 +6942,6 @@
           <a:bodyPr/>
           <a:lstStyle/>
           <a:p>
-            <a:pPr/>
             <a:r>
               <a:t>addlic</a:t>
             </a:r>
@@ -6586,7 +6951,9 @@
       <p:sp>
         <p:nvSpPr>
           <p:cNvPr id="141" name="Command used to add license to your splunk deployment…"/>
-          <p:cNvSpPr txBox="1"/>
+          <p:cNvSpPr txBox="1">
+            <a:spLocks noGrp="1"/>
+          </p:cNvSpPr>
           <p:nvPr>
             <p:ph type="body" idx="1"/>
           </p:nvPr>
@@ -6653,6 +7020,7 @@
                 <a:sym typeface="Courier"/>
               </a:defRPr>
             </a:pPr>
+            <a:endParaRPr/>
           </a:p>
           <a:p>
             <a:pPr marL="0" indent="0" defTabSz="543305">
@@ -6668,6 +7036,7 @@
                 <a:sym typeface="Courier"/>
               </a:defRPr>
             </a:pPr>
+            <a:endParaRPr/>
           </a:p>
           <a:p>
             <a:pPr marL="0" indent="0" defTabSz="543305">
@@ -6683,6 +7052,7 @@
                 <a:sym typeface="Courier"/>
               </a:defRPr>
             </a:pPr>
+            <a:endParaRPr/>
           </a:p>
         </p:txBody>
       </p:sp>
@@ -6691,12 +7061,12 @@
   <p:clrMapOvr>
     <a:masterClrMapping/>
   </p:clrMapOvr>
-  <p:transition xmlns:p14="http://schemas.microsoft.com/office/powerpoint/2010/main" spd="med" advClick="1"/>
+  <p:transition spd="med"/>
 </p:sld>
 </file>
 
 <file path=ppt/slides/slide9.xml><?xml version="1.0" encoding="utf-8"?>
-<p:sld xmlns:a="http://schemas.openxmlformats.org/drawingml/2006/main" xmlns:r="http://schemas.openxmlformats.org/officeDocument/2006/relationships" xmlns:p="http://schemas.openxmlformats.org/presentationml/2006/main" showMasterSp="1" showMasterPhAnim="1">
+<p:sld xmlns:a="http://schemas.openxmlformats.org/drawingml/2006/main" xmlns:r="http://schemas.openxmlformats.org/officeDocument/2006/relationships" xmlns:p="http://schemas.openxmlformats.org/presentationml/2006/main">
   <p:cSld>
     <p:spTree>
       <p:nvGrpSpPr>
@@ -6715,7 +7085,9 @@
       <p:sp>
         <p:nvSpPr>
           <p:cNvPr id="143" name="backupsplunk"/>
-          <p:cNvSpPr txBox="1"/>
+          <p:cNvSpPr txBox="1">
+            <a:spLocks noGrp="1"/>
+          </p:cNvSpPr>
           <p:nvPr>
             <p:ph type="title"/>
           </p:nvPr>
@@ -6729,7 +7101,6 @@
           <a:bodyPr/>
           <a:lstStyle/>
           <a:p>
-            <a:pPr/>
             <a:r>
               <a:t>backupsplunk</a:t>
             </a:r>
@@ -6739,7 +7110,9 @@
       <p:sp>
         <p:nvSpPr>
           <p:cNvPr id="144" name="Command used to backup your splunk etc/apps folder and places the .tgz file in your $SPLUNK_HOME (/opt/splunk) directory…"/>
-          <p:cNvSpPr txBox="1"/>
+          <p:cNvSpPr txBox="1">
+            <a:spLocks noGrp="1"/>
+          </p:cNvSpPr>
           <p:nvPr>
             <p:ph type="body" idx="1"/>
           </p:nvPr>
@@ -6806,6 +7179,7 @@
                 <a:sym typeface="Courier"/>
               </a:defRPr>
             </a:pPr>
+            <a:endParaRPr/>
           </a:p>
           <a:p>
             <a:pPr marL="0" indent="0" defTabSz="549148">
@@ -6821,6 +7195,7 @@
                 <a:sym typeface="Courier"/>
               </a:defRPr>
             </a:pPr>
+            <a:endParaRPr/>
           </a:p>
         </p:txBody>
       </p:sp>
@@ -6829,12 +7204,12 @@
   <p:clrMapOvr>
     <a:masterClrMapping/>
   </p:clrMapOvr>
-  <p:transition xmlns:p14="http://schemas.microsoft.com/office/powerpoint/2010/main" spd="med" advClick="1"/>
+  <p:transition spd="med"/>
 </p:sld>
 </file>
 
 <file path=ppt/theme/theme1.xml><?xml version="1.0" encoding="utf-8"?>
-<a:theme xmlns:a="http://schemas.openxmlformats.org/drawingml/2006/main" xmlns:r="http://schemas.openxmlformats.org/officeDocument/2006/relationships" name="White">
+<a:theme xmlns:a="http://schemas.openxmlformats.org/drawingml/2006/main" name="White">
   <a:themeElements>
     <a:clrScheme name="White">
       <a:dk1>
@@ -7033,7 +7408,7 @@
         <a:effectLst/>
         <a:sp3d/>
       </a:spPr>
-      <a:bodyPr rot="0" spcFirstLastPara="1" vertOverflow="overflow" horzOverflow="overflow" vert="horz" wrap="square" lIns="50800" tIns="50800" rIns="50800" bIns="50800" numCol="1" spcCol="38100" rtlCol="0" anchor="ctr" upright="0">
+      <a:bodyPr rot="0" spcFirstLastPara="1" vertOverflow="overflow" horzOverflow="overflow" vert="horz" wrap="square" lIns="50800" tIns="50800" rIns="50800" bIns="50800" numCol="1" spcCol="38100" rtlCol="0" anchor="ctr">
         <a:spAutoFit/>
       </a:bodyPr>
       <a:lstStyle>
@@ -7052,7 +7427,7 @@
           <a:buFontTx/>
           <a:buNone/>
           <a:tabLst/>
-          <a:defRPr b="0" baseline="0" cap="none" i="0" spc="0" strike="noStrike" sz="2200" u="none" kumimoji="0" normalizeH="0">
+          <a:defRPr kumimoji="0" sz="2200" b="0" i="0" u="none" strike="noStrike" cap="none" spc="0" normalizeH="0" baseline="0">
             <a:ln>
               <a:noFill/>
             </a:ln>
@@ -7082,7 +7457,7 @@
           <a:buFontTx/>
           <a:buNone/>
           <a:tabLst/>
-          <a:defRPr b="0" baseline="0" cap="none" i="0" spc="0" strike="noStrike" sz="1800" u="none" kumimoji="0" normalizeH="0">
+          <a:defRPr kumimoji="0" sz="1800" b="0" i="0" u="none" strike="noStrike" cap="none" spc="0" normalizeH="0" baseline="0">
             <a:ln>
               <a:noFill/>
             </a:ln>
@@ -7108,7 +7483,7 @@
           <a:buFontTx/>
           <a:buNone/>
           <a:tabLst/>
-          <a:defRPr b="0" baseline="0" cap="none" i="0" spc="0" strike="noStrike" sz="1800" u="none" kumimoji="0" normalizeH="0">
+          <a:defRPr kumimoji="0" sz="1800" b="0" i="0" u="none" strike="noStrike" cap="none" spc="0" normalizeH="0" baseline="0">
             <a:ln>
               <a:noFill/>
             </a:ln>
@@ -7134,7 +7509,7 @@
           <a:buFontTx/>
           <a:buNone/>
           <a:tabLst/>
-          <a:defRPr b="0" baseline="0" cap="none" i="0" spc="0" strike="noStrike" sz="1800" u="none" kumimoji="0" normalizeH="0">
+          <a:defRPr kumimoji="0" sz="1800" b="0" i="0" u="none" strike="noStrike" cap="none" spc="0" normalizeH="0" baseline="0">
             <a:ln>
               <a:noFill/>
             </a:ln>
@@ -7160,7 +7535,7 @@
           <a:buFontTx/>
           <a:buNone/>
           <a:tabLst/>
-          <a:defRPr b="0" baseline="0" cap="none" i="0" spc="0" strike="noStrike" sz="1800" u="none" kumimoji="0" normalizeH="0">
+          <a:defRPr kumimoji="0" sz="1800" b="0" i="0" u="none" strike="noStrike" cap="none" spc="0" normalizeH="0" baseline="0">
             <a:ln>
               <a:noFill/>
             </a:ln>
@@ -7186,7 +7561,7 @@
           <a:buFontTx/>
           <a:buNone/>
           <a:tabLst/>
-          <a:defRPr b="0" baseline="0" cap="none" i="0" spc="0" strike="noStrike" sz="1800" u="none" kumimoji="0" normalizeH="0">
+          <a:defRPr kumimoji="0" sz="1800" b="0" i="0" u="none" strike="noStrike" cap="none" spc="0" normalizeH="0" baseline="0">
             <a:ln>
               <a:noFill/>
             </a:ln>
@@ -7212,7 +7587,7 @@
           <a:buFontTx/>
           <a:buNone/>
           <a:tabLst/>
-          <a:defRPr b="0" baseline="0" cap="none" i="0" spc="0" strike="noStrike" sz="1800" u="none" kumimoji="0" normalizeH="0">
+          <a:defRPr kumimoji="0" sz="1800" b="0" i="0" u="none" strike="noStrike" cap="none" spc="0" normalizeH="0" baseline="0">
             <a:ln>
               <a:noFill/>
             </a:ln>
@@ -7238,7 +7613,7 @@
           <a:buFontTx/>
           <a:buNone/>
           <a:tabLst/>
-          <a:defRPr b="0" baseline="0" cap="none" i="0" spc="0" strike="noStrike" sz="1800" u="none" kumimoji="0" normalizeH="0">
+          <a:defRPr kumimoji="0" sz="1800" b="0" i="0" u="none" strike="noStrike" cap="none" spc="0" normalizeH="0" baseline="0">
             <a:ln>
               <a:noFill/>
             </a:ln>
@@ -7264,7 +7639,7 @@
           <a:buFontTx/>
           <a:buNone/>
           <a:tabLst/>
-          <a:defRPr b="0" baseline="0" cap="none" i="0" spc="0" strike="noStrike" sz="1800" u="none" kumimoji="0" normalizeH="0">
+          <a:defRPr kumimoji="0" sz="1800" b="0" i="0" u="none" strike="noStrike" cap="none" spc="0" normalizeH="0" baseline="0">
             <a:ln>
               <a:noFill/>
             </a:ln>
@@ -7290,7 +7665,7 @@
           <a:buFontTx/>
           <a:buNone/>
           <a:tabLst/>
-          <a:defRPr b="0" baseline="0" cap="none" i="0" spc="0" strike="noStrike" sz="1800" u="none" kumimoji="0" normalizeH="0">
+          <a:defRPr kumimoji="0" sz="1800" b="0" i="0" u="none" strike="noStrike" cap="none" spc="0" normalizeH="0" baseline="0">
             <a:ln>
               <a:noFill/>
             </a:ln>
@@ -7303,9 +7678,15 @@
         </a:lvl9pPr>
       </a:lstStyle>
       <a:style>
-        <a:lnRef idx="0"/>
-        <a:fillRef idx="0"/>
-        <a:effectRef idx="0"/>
+        <a:lnRef idx="0">
+          <a:scrgbClr r="0" g="0" b="0"/>
+        </a:lnRef>
+        <a:fillRef idx="0">
+          <a:scrgbClr r="0" g="0" b="0"/>
+        </a:fillRef>
+        <a:effectRef idx="0">
+          <a:scrgbClr r="0" g="0" b="0"/>
+        </a:effectRef>
         <a:fontRef idx="none"/>
       </a:style>
     </a:spDef>
@@ -7322,7 +7703,7 @@
         <a:effectLst/>
         <a:sp3d/>
       </a:spPr>
-      <a:bodyPr rot="0" spcFirstLastPara="1" vertOverflow="overflow" horzOverflow="overflow" vert="horz" wrap="square" lIns="91439" tIns="45719" rIns="91439" bIns="45719" numCol="1" spcCol="38100" rtlCol="0" anchor="t" upright="0">
+      <a:bodyPr rot="0" spcFirstLastPara="1" vertOverflow="overflow" horzOverflow="overflow" vert="horz" wrap="square" lIns="91439" tIns="45719" rIns="91439" bIns="45719" numCol="1" spcCol="38100" rtlCol="0" anchor="t">
         <a:noAutofit/>
       </a:bodyPr>
       <a:lstStyle>
@@ -7341,7 +7722,7 @@
           <a:buFontTx/>
           <a:buNone/>
           <a:tabLst/>
-          <a:defRPr b="0" baseline="0" cap="none" i="0" spc="0" strike="noStrike" sz="1800" u="none" kumimoji="0" normalizeH="0">
+          <a:defRPr kumimoji="0" sz="1800" b="0" i="0" u="none" strike="noStrike" cap="none" spc="0" normalizeH="0" baseline="0">
             <a:ln>
               <a:noFill/>
             </a:ln>
@@ -7367,7 +7748,7 @@
           <a:buFontTx/>
           <a:buNone/>
           <a:tabLst/>
-          <a:defRPr b="0" baseline="0" cap="none" i="0" spc="0" strike="noStrike" sz="1800" u="none" kumimoji="0" normalizeH="0">
+          <a:defRPr kumimoji="0" sz="1800" b="0" i="0" u="none" strike="noStrike" cap="none" spc="0" normalizeH="0" baseline="0">
             <a:ln>
               <a:noFill/>
             </a:ln>
@@ -7393,7 +7774,7 @@
           <a:buFontTx/>
           <a:buNone/>
           <a:tabLst/>
-          <a:defRPr b="0" baseline="0" cap="none" i="0" spc="0" strike="noStrike" sz="1800" u="none" kumimoji="0" normalizeH="0">
+          <a:defRPr kumimoji="0" sz="1800" b="0" i="0" u="none" strike="noStrike" cap="none" spc="0" normalizeH="0" baseline="0">
             <a:ln>
               <a:noFill/>
             </a:ln>
@@ -7419,7 +7800,7 @@
           <a:buFontTx/>
           <a:buNone/>
           <a:tabLst/>
-          <a:defRPr b="0" baseline="0" cap="none" i="0" spc="0" strike="noStrike" sz="1800" u="none" kumimoji="0" normalizeH="0">
+          <a:defRPr kumimoji="0" sz="1800" b="0" i="0" u="none" strike="noStrike" cap="none" spc="0" normalizeH="0" baseline="0">
             <a:ln>
               <a:noFill/>
             </a:ln>
@@ -7445,7 +7826,7 @@
           <a:buFontTx/>
           <a:buNone/>
           <a:tabLst/>
-          <a:defRPr b="0" baseline="0" cap="none" i="0" spc="0" strike="noStrike" sz="1800" u="none" kumimoji="0" normalizeH="0">
+          <a:defRPr kumimoji="0" sz="1800" b="0" i="0" u="none" strike="noStrike" cap="none" spc="0" normalizeH="0" baseline="0">
             <a:ln>
               <a:noFill/>
             </a:ln>
@@ -7471,7 +7852,7 @@
           <a:buFontTx/>
           <a:buNone/>
           <a:tabLst/>
-          <a:defRPr b="0" baseline="0" cap="none" i="0" spc="0" strike="noStrike" sz="1800" u="none" kumimoji="0" normalizeH="0">
+          <a:defRPr kumimoji="0" sz="1800" b="0" i="0" u="none" strike="noStrike" cap="none" spc="0" normalizeH="0" baseline="0">
             <a:ln>
               <a:noFill/>
             </a:ln>
@@ -7497,7 +7878,7 @@
           <a:buFontTx/>
           <a:buNone/>
           <a:tabLst/>
-          <a:defRPr b="0" baseline="0" cap="none" i="0" spc="0" strike="noStrike" sz="1800" u="none" kumimoji="0" normalizeH="0">
+          <a:defRPr kumimoji="0" sz="1800" b="0" i="0" u="none" strike="noStrike" cap="none" spc="0" normalizeH="0" baseline="0">
             <a:ln>
               <a:noFill/>
             </a:ln>
@@ -7523,7 +7904,7 @@
           <a:buFontTx/>
           <a:buNone/>
           <a:tabLst/>
-          <a:defRPr b="0" baseline="0" cap="none" i="0" spc="0" strike="noStrike" sz="1800" u="none" kumimoji="0" normalizeH="0">
+          <a:defRPr kumimoji="0" sz="1800" b="0" i="0" u="none" strike="noStrike" cap="none" spc="0" normalizeH="0" baseline="0">
             <a:ln>
               <a:noFill/>
             </a:ln>
@@ -7549,7 +7930,7 @@
           <a:buFontTx/>
           <a:buNone/>
           <a:tabLst/>
-          <a:defRPr b="0" baseline="0" cap="none" i="0" spc="0" strike="noStrike" sz="1800" u="none" kumimoji="0" normalizeH="0">
+          <a:defRPr kumimoji="0" sz="1800" b="0" i="0" u="none" strike="noStrike" cap="none" spc="0" normalizeH="0" baseline="0">
             <a:ln>
               <a:noFill/>
             </a:ln>
@@ -7575,7 +7956,7 @@
           <a:buFontTx/>
           <a:buNone/>
           <a:tabLst/>
-          <a:defRPr b="0" baseline="0" cap="none" i="0" spc="0" strike="noStrike" sz="1800" u="none" kumimoji="0" normalizeH="0">
+          <a:defRPr kumimoji="0" sz="1800" b="0" i="0" u="none" strike="noStrike" cap="none" spc="0" normalizeH="0" baseline="0">
             <a:ln>
               <a:noFill/>
             </a:ln>
@@ -7588,9 +7969,15 @@
         </a:lvl9pPr>
       </a:lstStyle>
       <a:style>
-        <a:lnRef idx="0"/>
-        <a:fillRef idx="0"/>
-        <a:effectRef idx="0"/>
+        <a:lnRef idx="0">
+          <a:scrgbClr r="0" g="0" b="0"/>
+        </a:lnRef>
+        <a:fillRef idx="0">
+          <a:scrgbClr r="0" g="0" b="0"/>
+        </a:fillRef>
+        <a:effectRef idx="0">
+          <a:scrgbClr r="0" g="0" b="0"/>
+        </a:effectRef>
         <a:fontRef idx="none"/>
       </a:style>
     </a:lnDef>
@@ -7604,7 +7991,7 @@
         <a:effectLst/>
         <a:sp3d/>
       </a:spPr>
-      <a:bodyPr rot="0" spcFirstLastPara="1" vertOverflow="overflow" horzOverflow="overflow" vert="horz" wrap="square" lIns="50800" tIns="50800" rIns="50800" bIns="50800" numCol="1" spcCol="38100" rtlCol="0" anchor="ctr" upright="0">
+      <a:bodyPr rot="0" spcFirstLastPara="1" vertOverflow="overflow" horzOverflow="overflow" vert="horz" wrap="square" lIns="50800" tIns="50800" rIns="50800" bIns="50800" numCol="1" spcCol="38100" rtlCol="0" anchor="ctr">
         <a:spAutoFit/>
       </a:bodyPr>
       <a:lstStyle>
@@ -7623,7 +8010,7 @@
           <a:buFontTx/>
           <a:buNone/>
           <a:tabLst/>
-          <a:defRPr b="1" baseline="0" cap="none" i="0" spc="0" strike="noStrike" sz="2400" u="none" kumimoji="0" normalizeH="0">
+          <a:defRPr kumimoji="0" sz="2400" b="1" i="0" u="none" strike="noStrike" cap="none" spc="0" normalizeH="0" baseline="0">
             <a:ln>
               <a:noFill/>
             </a:ln>
@@ -7653,7 +8040,7 @@
           <a:buFontTx/>
           <a:buNone/>
           <a:tabLst/>
-          <a:defRPr b="0" baseline="0" cap="none" i="0" spc="0" strike="noStrike" sz="1800" u="none" kumimoji="0" normalizeH="0">
+          <a:defRPr kumimoji="0" sz="1800" b="0" i="0" u="none" strike="noStrike" cap="none" spc="0" normalizeH="0" baseline="0">
             <a:ln>
               <a:noFill/>
             </a:ln>
@@ -7679,7 +8066,7 @@
           <a:buFontTx/>
           <a:buNone/>
           <a:tabLst/>
-          <a:defRPr b="0" baseline="0" cap="none" i="0" spc="0" strike="noStrike" sz="1800" u="none" kumimoji="0" normalizeH="0">
+          <a:defRPr kumimoji="0" sz="1800" b="0" i="0" u="none" strike="noStrike" cap="none" spc="0" normalizeH="0" baseline="0">
             <a:ln>
               <a:noFill/>
             </a:ln>
@@ -7705,7 +8092,7 @@
           <a:buFontTx/>
           <a:buNone/>
           <a:tabLst/>
-          <a:defRPr b="0" baseline="0" cap="none" i="0" spc="0" strike="noStrike" sz="1800" u="none" kumimoji="0" normalizeH="0">
+          <a:defRPr kumimoji="0" sz="1800" b="0" i="0" u="none" strike="noStrike" cap="none" spc="0" normalizeH="0" baseline="0">
             <a:ln>
               <a:noFill/>
             </a:ln>
@@ -7731,7 +8118,7 @@
           <a:buFontTx/>
           <a:buNone/>
           <a:tabLst/>
-          <a:defRPr b="0" baseline="0" cap="none" i="0" spc="0" strike="noStrike" sz="1800" u="none" kumimoji="0" normalizeH="0">
+          <a:defRPr kumimoji="0" sz="1800" b="0" i="0" u="none" strike="noStrike" cap="none" spc="0" normalizeH="0" baseline="0">
             <a:ln>
               <a:noFill/>
             </a:ln>
@@ -7757,7 +8144,7 @@
           <a:buFontTx/>
           <a:buNone/>
           <a:tabLst/>
-          <a:defRPr b="0" baseline="0" cap="none" i="0" spc="0" strike="noStrike" sz="1800" u="none" kumimoji="0" normalizeH="0">
+          <a:defRPr kumimoji="0" sz="1800" b="0" i="0" u="none" strike="noStrike" cap="none" spc="0" normalizeH="0" baseline="0">
             <a:ln>
               <a:noFill/>
             </a:ln>
@@ -7783,7 +8170,7 @@
           <a:buFontTx/>
           <a:buNone/>
           <a:tabLst/>
-          <a:defRPr b="0" baseline="0" cap="none" i="0" spc="0" strike="noStrike" sz="1800" u="none" kumimoji="0" normalizeH="0">
+          <a:defRPr kumimoji="0" sz="1800" b="0" i="0" u="none" strike="noStrike" cap="none" spc="0" normalizeH="0" baseline="0">
             <a:ln>
               <a:noFill/>
             </a:ln>
@@ -7809,7 +8196,7 @@
           <a:buFontTx/>
           <a:buNone/>
           <a:tabLst/>
-          <a:defRPr b="0" baseline="0" cap="none" i="0" spc="0" strike="noStrike" sz="1800" u="none" kumimoji="0" normalizeH="0">
+          <a:defRPr kumimoji="0" sz="1800" b="0" i="0" u="none" strike="noStrike" cap="none" spc="0" normalizeH="0" baseline="0">
             <a:ln>
               <a:noFill/>
             </a:ln>
@@ -7835,7 +8222,7 @@
           <a:buFontTx/>
           <a:buNone/>
           <a:tabLst/>
-          <a:defRPr b="0" baseline="0" cap="none" i="0" spc="0" strike="noStrike" sz="1800" u="none" kumimoji="0" normalizeH="0">
+          <a:defRPr kumimoji="0" sz="1800" b="0" i="0" u="none" strike="noStrike" cap="none" spc="0" normalizeH="0" baseline="0">
             <a:ln>
               <a:noFill/>
             </a:ln>
@@ -7861,7 +8248,7 @@
           <a:buFontTx/>
           <a:buNone/>
           <a:tabLst/>
-          <a:defRPr b="0" baseline="0" cap="none" i="0" spc="0" strike="noStrike" sz="1800" u="none" kumimoji="0" normalizeH="0">
+          <a:defRPr kumimoji="0" sz="1800" b="0" i="0" u="none" strike="noStrike" cap="none" spc="0" normalizeH="0" baseline="0">
             <a:ln>
               <a:noFill/>
             </a:ln>
@@ -7874,18 +8261,25 @@
         </a:lvl9pPr>
       </a:lstStyle>
       <a:style>
-        <a:lnRef idx="0"/>
-        <a:fillRef idx="0"/>
-        <a:effectRef idx="0"/>
+        <a:lnRef idx="0">
+          <a:scrgbClr r="0" g="0" b="0"/>
+        </a:lnRef>
+        <a:fillRef idx="0">
+          <a:scrgbClr r="0" g="0" b="0"/>
+        </a:fillRef>
+        <a:effectRef idx="0">
+          <a:scrgbClr r="0" g="0" b="0"/>
+        </a:effectRef>
         <a:fontRef idx="none"/>
       </a:style>
     </a:txDef>
   </a:objectDefaults>
+  <a:extraClrSchemeLst/>
 </a:theme>
 </file>
 
 <file path=ppt/theme/theme2.xml><?xml version="1.0" encoding="utf-8"?>
-<a:theme xmlns:a="http://schemas.openxmlformats.org/drawingml/2006/main" xmlns:r="http://schemas.openxmlformats.org/officeDocument/2006/relationships" name="White">
+<a:theme xmlns:a="http://schemas.openxmlformats.org/drawingml/2006/main" name="White">
   <a:themeElements>
     <a:clrScheme name="White">
       <a:dk1>
@@ -8084,7 +8478,7 @@
         <a:effectLst/>
         <a:sp3d/>
       </a:spPr>
-      <a:bodyPr rot="0" spcFirstLastPara="1" vertOverflow="overflow" horzOverflow="overflow" vert="horz" wrap="square" lIns="50800" tIns="50800" rIns="50800" bIns="50800" numCol="1" spcCol="38100" rtlCol="0" anchor="ctr" upright="0">
+      <a:bodyPr rot="0" spcFirstLastPara="1" vertOverflow="overflow" horzOverflow="overflow" vert="horz" wrap="square" lIns="50800" tIns="50800" rIns="50800" bIns="50800" numCol="1" spcCol="38100" rtlCol="0" anchor="ctr">
         <a:spAutoFit/>
       </a:bodyPr>
       <a:lstStyle>
@@ -8103,7 +8497,7 @@
           <a:buFontTx/>
           <a:buNone/>
           <a:tabLst/>
-          <a:defRPr b="0" baseline="0" cap="none" i="0" spc="0" strike="noStrike" sz="2200" u="none" kumimoji="0" normalizeH="0">
+          <a:defRPr kumimoji="0" sz="2200" b="0" i="0" u="none" strike="noStrike" cap="none" spc="0" normalizeH="0" baseline="0">
             <a:ln>
               <a:noFill/>
             </a:ln>
@@ -8133,7 +8527,7 @@
           <a:buFontTx/>
           <a:buNone/>
           <a:tabLst/>
-          <a:defRPr b="0" baseline="0" cap="none" i="0" spc="0" strike="noStrike" sz="1800" u="none" kumimoji="0" normalizeH="0">
+          <a:defRPr kumimoji="0" sz="1800" b="0" i="0" u="none" strike="noStrike" cap="none" spc="0" normalizeH="0" baseline="0">
             <a:ln>
               <a:noFill/>
             </a:ln>
@@ -8159,7 +8553,7 @@
           <a:buFontTx/>
           <a:buNone/>
           <a:tabLst/>
-          <a:defRPr b="0" baseline="0" cap="none" i="0" spc="0" strike="noStrike" sz="1800" u="none" kumimoji="0" normalizeH="0">
+          <a:defRPr kumimoji="0" sz="1800" b="0" i="0" u="none" strike="noStrike" cap="none" spc="0" normalizeH="0" baseline="0">
             <a:ln>
               <a:noFill/>
             </a:ln>
@@ -8185,7 +8579,7 @@
           <a:buFontTx/>
           <a:buNone/>
           <a:tabLst/>
-          <a:defRPr b="0" baseline="0" cap="none" i="0" spc="0" strike="noStrike" sz="1800" u="none" kumimoji="0" normalizeH="0">
+          <a:defRPr kumimoji="0" sz="1800" b="0" i="0" u="none" strike="noStrike" cap="none" spc="0" normalizeH="0" baseline="0">
             <a:ln>
               <a:noFill/>
             </a:ln>
@@ -8211,7 +8605,7 @@
           <a:buFontTx/>
           <a:buNone/>
           <a:tabLst/>
-          <a:defRPr b="0" baseline="0" cap="none" i="0" spc="0" strike="noStrike" sz="1800" u="none" kumimoji="0" normalizeH="0">
+          <a:defRPr kumimoji="0" sz="1800" b="0" i="0" u="none" strike="noStrike" cap="none" spc="0" normalizeH="0" baseline="0">
             <a:ln>
               <a:noFill/>
             </a:ln>
@@ -8237,7 +8631,7 @@
           <a:buFontTx/>
           <a:buNone/>
           <a:tabLst/>
-          <a:defRPr b="0" baseline="0" cap="none" i="0" spc="0" strike="noStrike" sz="1800" u="none" kumimoji="0" normalizeH="0">
+          <a:defRPr kumimoji="0" sz="1800" b="0" i="0" u="none" strike="noStrike" cap="none" spc="0" normalizeH="0" baseline="0">
             <a:ln>
               <a:noFill/>
             </a:ln>
@@ -8263,7 +8657,7 @@
           <a:buFontTx/>
           <a:buNone/>
           <a:tabLst/>
-          <a:defRPr b="0" baseline="0" cap="none" i="0" spc="0" strike="noStrike" sz="1800" u="none" kumimoji="0" normalizeH="0">
+          <a:defRPr kumimoji="0" sz="1800" b="0" i="0" u="none" strike="noStrike" cap="none" spc="0" normalizeH="0" baseline="0">
             <a:ln>
               <a:noFill/>
             </a:ln>
@@ -8289,7 +8683,7 @@
           <a:buFontTx/>
           <a:buNone/>
           <a:tabLst/>
-          <a:defRPr b="0" baseline="0" cap="none" i="0" spc="0" strike="noStrike" sz="1800" u="none" kumimoji="0" normalizeH="0">
+          <a:defRPr kumimoji="0" sz="1800" b="0" i="0" u="none" strike="noStrike" cap="none" spc="0" normalizeH="0" baseline="0">
             <a:ln>
               <a:noFill/>
             </a:ln>
@@ -8315,7 +8709,7 @@
           <a:buFontTx/>
           <a:buNone/>
           <a:tabLst/>
-          <a:defRPr b="0" baseline="0" cap="none" i="0" spc="0" strike="noStrike" sz="1800" u="none" kumimoji="0" normalizeH="0">
+          <a:defRPr kumimoji="0" sz="1800" b="0" i="0" u="none" strike="noStrike" cap="none" spc="0" normalizeH="0" baseline="0">
             <a:ln>
               <a:noFill/>
             </a:ln>
@@ -8341,7 +8735,7 @@
           <a:buFontTx/>
           <a:buNone/>
           <a:tabLst/>
-          <a:defRPr b="0" baseline="0" cap="none" i="0" spc="0" strike="noStrike" sz="1800" u="none" kumimoji="0" normalizeH="0">
+          <a:defRPr kumimoji="0" sz="1800" b="0" i="0" u="none" strike="noStrike" cap="none" spc="0" normalizeH="0" baseline="0">
             <a:ln>
               <a:noFill/>
             </a:ln>
@@ -8354,9 +8748,15 @@
         </a:lvl9pPr>
       </a:lstStyle>
       <a:style>
-        <a:lnRef idx="0"/>
-        <a:fillRef idx="0"/>
-        <a:effectRef idx="0"/>
+        <a:lnRef idx="0">
+          <a:scrgbClr r="0" g="0" b="0"/>
+        </a:lnRef>
+        <a:fillRef idx="0">
+          <a:scrgbClr r="0" g="0" b="0"/>
+        </a:fillRef>
+        <a:effectRef idx="0">
+          <a:scrgbClr r="0" g="0" b="0"/>
+        </a:effectRef>
         <a:fontRef idx="none"/>
       </a:style>
     </a:spDef>
@@ -8373,7 +8773,7 @@
         <a:effectLst/>
         <a:sp3d/>
       </a:spPr>
-      <a:bodyPr rot="0" spcFirstLastPara="1" vertOverflow="overflow" horzOverflow="overflow" vert="horz" wrap="square" lIns="91439" tIns="45719" rIns="91439" bIns="45719" numCol="1" spcCol="38100" rtlCol="0" anchor="t" upright="0">
+      <a:bodyPr rot="0" spcFirstLastPara="1" vertOverflow="overflow" horzOverflow="overflow" vert="horz" wrap="square" lIns="91439" tIns="45719" rIns="91439" bIns="45719" numCol="1" spcCol="38100" rtlCol="0" anchor="t">
         <a:noAutofit/>
       </a:bodyPr>
       <a:lstStyle>
@@ -8392,7 +8792,7 @@
           <a:buFontTx/>
           <a:buNone/>
           <a:tabLst/>
-          <a:defRPr b="0" baseline="0" cap="none" i="0" spc="0" strike="noStrike" sz="1800" u="none" kumimoji="0" normalizeH="0">
+          <a:defRPr kumimoji="0" sz="1800" b="0" i="0" u="none" strike="noStrike" cap="none" spc="0" normalizeH="0" baseline="0">
             <a:ln>
               <a:noFill/>
             </a:ln>
@@ -8418,7 +8818,7 @@
           <a:buFontTx/>
           <a:buNone/>
           <a:tabLst/>
-          <a:defRPr b="0" baseline="0" cap="none" i="0" spc="0" strike="noStrike" sz="1800" u="none" kumimoji="0" normalizeH="0">
+          <a:defRPr kumimoji="0" sz="1800" b="0" i="0" u="none" strike="noStrike" cap="none" spc="0" normalizeH="0" baseline="0">
             <a:ln>
               <a:noFill/>
             </a:ln>
@@ -8444,7 +8844,7 @@
           <a:buFontTx/>
           <a:buNone/>
           <a:tabLst/>
-          <a:defRPr b="0" baseline="0" cap="none" i="0" spc="0" strike="noStrike" sz="1800" u="none" kumimoji="0" normalizeH="0">
+          <a:defRPr kumimoji="0" sz="1800" b="0" i="0" u="none" strike="noStrike" cap="none" spc="0" normalizeH="0" baseline="0">
             <a:ln>
               <a:noFill/>
             </a:ln>
@@ -8470,7 +8870,7 @@
           <a:buFontTx/>
           <a:buNone/>
           <a:tabLst/>
-          <a:defRPr b="0" baseline="0" cap="none" i="0" spc="0" strike="noStrike" sz="1800" u="none" kumimoji="0" normalizeH="0">
+          <a:defRPr kumimoji="0" sz="1800" b="0" i="0" u="none" strike="noStrike" cap="none" spc="0" normalizeH="0" baseline="0">
             <a:ln>
               <a:noFill/>
             </a:ln>
@@ -8496,7 +8896,7 @@
           <a:buFontTx/>
           <a:buNone/>
           <a:tabLst/>
-          <a:defRPr b="0" baseline="0" cap="none" i="0" spc="0" strike="noStrike" sz="1800" u="none" kumimoji="0" normalizeH="0">
+          <a:defRPr kumimoji="0" sz="1800" b="0" i="0" u="none" strike="noStrike" cap="none" spc="0" normalizeH="0" baseline="0">
             <a:ln>
               <a:noFill/>
             </a:ln>
@@ -8522,7 +8922,7 @@
           <a:buFontTx/>
           <a:buNone/>
           <a:tabLst/>
-          <a:defRPr b="0" baseline="0" cap="none" i="0" spc="0" strike="noStrike" sz="1800" u="none" kumimoji="0" normalizeH="0">
+          <a:defRPr kumimoji="0" sz="1800" b="0" i="0" u="none" strike="noStrike" cap="none" spc="0" normalizeH="0" baseline="0">
             <a:ln>
               <a:noFill/>
             </a:ln>
@@ -8548,7 +8948,7 @@
           <a:buFontTx/>
           <a:buNone/>
           <a:tabLst/>
-          <a:defRPr b="0" baseline="0" cap="none" i="0" spc="0" strike="noStrike" sz="1800" u="none" kumimoji="0" normalizeH="0">
+          <a:defRPr kumimoji="0" sz="1800" b="0" i="0" u="none" strike="noStrike" cap="none" spc="0" normalizeH="0" baseline="0">
             <a:ln>
               <a:noFill/>
             </a:ln>
@@ -8574,7 +8974,7 @@
           <a:buFontTx/>
           <a:buNone/>
           <a:tabLst/>
-          <a:defRPr b="0" baseline="0" cap="none" i="0" spc="0" strike="noStrike" sz="1800" u="none" kumimoji="0" normalizeH="0">
+          <a:defRPr kumimoji="0" sz="1800" b="0" i="0" u="none" strike="noStrike" cap="none" spc="0" normalizeH="0" baseline="0">
             <a:ln>
               <a:noFill/>
             </a:ln>
@@ -8600,7 +9000,7 @@
           <a:buFontTx/>
           <a:buNone/>
           <a:tabLst/>
-          <a:defRPr b="0" baseline="0" cap="none" i="0" spc="0" strike="noStrike" sz="1800" u="none" kumimoji="0" normalizeH="0">
+          <a:defRPr kumimoji="0" sz="1800" b="0" i="0" u="none" strike="noStrike" cap="none" spc="0" normalizeH="0" baseline="0">
             <a:ln>
               <a:noFill/>
             </a:ln>
@@ -8626,7 +9026,7 @@
           <a:buFontTx/>
           <a:buNone/>
           <a:tabLst/>
-          <a:defRPr b="0" baseline="0" cap="none" i="0" spc="0" strike="noStrike" sz="1800" u="none" kumimoji="0" normalizeH="0">
+          <a:defRPr kumimoji="0" sz="1800" b="0" i="0" u="none" strike="noStrike" cap="none" spc="0" normalizeH="0" baseline="0">
             <a:ln>
               <a:noFill/>
             </a:ln>
@@ -8639,9 +9039,15 @@
         </a:lvl9pPr>
       </a:lstStyle>
       <a:style>
-        <a:lnRef idx="0"/>
-        <a:fillRef idx="0"/>
-        <a:effectRef idx="0"/>
+        <a:lnRef idx="0">
+          <a:scrgbClr r="0" g="0" b="0"/>
+        </a:lnRef>
+        <a:fillRef idx="0">
+          <a:scrgbClr r="0" g="0" b="0"/>
+        </a:fillRef>
+        <a:effectRef idx="0">
+          <a:scrgbClr r="0" g="0" b="0"/>
+        </a:effectRef>
         <a:fontRef idx="none"/>
       </a:style>
     </a:lnDef>
@@ -8655,7 +9061,7 @@
         <a:effectLst/>
         <a:sp3d/>
       </a:spPr>
-      <a:bodyPr rot="0" spcFirstLastPara="1" vertOverflow="overflow" horzOverflow="overflow" vert="horz" wrap="square" lIns="50800" tIns="50800" rIns="50800" bIns="50800" numCol="1" spcCol="38100" rtlCol="0" anchor="ctr" upright="0">
+      <a:bodyPr rot="0" spcFirstLastPara="1" vertOverflow="overflow" horzOverflow="overflow" vert="horz" wrap="square" lIns="50800" tIns="50800" rIns="50800" bIns="50800" numCol="1" spcCol="38100" rtlCol="0" anchor="ctr">
         <a:spAutoFit/>
       </a:bodyPr>
       <a:lstStyle>
@@ -8674,7 +9080,7 @@
           <a:buFontTx/>
           <a:buNone/>
           <a:tabLst/>
-          <a:defRPr b="1" baseline="0" cap="none" i="0" spc="0" strike="noStrike" sz="2400" u="none" kumimoji="0" normalizeH="0">
+          <a:defRPr kumimoji="0" sz="2400" b="1" i="0" u="none" strike="noStrike" cap="none" spc="0" normalizeH="0" baseline="0">
             <a:ln>
               <a:noFill/>
             </a:ln>
@@ -8704,7 +9110,7 @@
           <a:buFontTx/>
           <a:buNone/>
           <a:tabLst/>
-          <a:defRPr b="0" baseline="0" cap="none" i="0" spc="0" strike="noStrike" sz="1800" u="none" kumimoji="0" normalizeH="0">
+          <a:defRPr kumimoji="0" sz="1800" b="0" i="0" u="none" strike="noStrike" cap="none" spc="0" normalizeH="0" baseline="0">
             <a:ln>
               <a:noFill/>
             </a:ln>
@@ -8730,7 +9136,7 @@
           <a:buFontTx/>
           <a:buNone/>
           <a:tabLst/>
-          <a:defRPr b="0" baseline="0" cap="none" i="0" spc="0" strike="noStrike" sz="1800" u="none" kumimoji="0" normalizeH="0">
+          <a:defRPr kumimoji="0" sz="1800" b="0" i="0" u="none" strike="noStrike" cap="none" spc="0" normalizeH="0" baseline="0">
             <a:ln>
               <a:noFill/>
             </a:ln>
@@ -8756,7 +9162,7 @@
           <a:buFontTx/>
           <a:buNone/>
           <a:tabLst/>
-          <a:defRPr b="0" baseline="0" cap="none" i="0" spc="0" strike="noStrike" sz="1800" u="none" kumimoji="0" normalizeH="0">
+          <a:defRPr kumimoji="0" sz="1800" b="0" i="0" u="none" strike="noStrike" cap="none" spc="0" normalizeH="0" baseline="0">
             <a:ln>
               <a:noFill/>
             </a:ln>
@@ -8782,7 +9188,7 @@
           <a:buFontTx/>
           <a:buNone/>
           <a:tabLst/>
-          <a:defRPr b="0" baseline="0" cap="none" i="0" spc="0" strike="noStrike" sz="1800" u="none" kumimoji="0" normalizeH="0">
+          <a:defRPr kumimoji="0" sz="1800" b="0" i="0" u="none" strike="noStrike" cap="none" spc="0" normalizeH="0" baseline="0">
             <a:ln>
               <a:noFill/>
             </a:ln>
@@ -8808,7 +9214,7 @@
           <a:buFontTx/>
           <a:buNone/>
           <a:tabLst/>
-          <a:defRPr b="0" baseline="0" cap="none" i="0" spc="0" strike="noStrike" sz="1800" u="none" kumimoji="0" normalizeH="0">
+          <a:defRPr kumimoji="0" sz="1800" b="0" i="0" u="none" strike="noStrike" cap="none" spc="0" normalizeH="0" baseline="0">
             <a:ln>
               <a:noFill/>
             </a:ln>
@@ -8834,7 +9240,7 @@
           <a:buFontTx/>
           <a:buNone/>
           <a:tabLst/>
-          <a:defRPr b="0" baseline="0" cap="none" i="0" spc="0" strike="noStrike" sz="1800" u="none" kumimoji="0" normalizeH="0">
+          <a:defRPr kumimoji="0" sz="1800" b="0" i="0" u="none" strike="noStrike" cap="none" spc="0" normalizeH="0" baseline="0">
             <a:ln>
               <a:noFill/>
             </a:ln>
@@ -8860,7 +9266,7 @@
           <a:buFontTx/>
           <a:buNone/>
           <a:tabLst/>
-          <a:defRPr b="0" baseline="0" cap="none" i="0" spc="0" strike="noStrike" sz="1800" u="none" kumimoji="0" normalizeH="0">
+          <a:defRPr kumimoji="0" sz="1800" b="0" i="0" u="none" strike="noStrike" cap="none" spc="0" normalizeH="0" baseline="0">
             <a:ln>
               <a:noFill/>
             </a:ln>
@@ -8886,7 +9292,7 @@
           <a:buFontTx/>
           <a:buNone/>
           <a:tabLst/>
-          <a:defRPr b="0" baseline="0" cap="none" i="0" spc="0" strike="noStrike" sz="1800" u="none" kumimoji="0" normalizeH="0">
+          <a:defRPr kumimoji="0" sz="1800" b="0" i="0" u="none" strike="noStrike" cap="none" spc="0" normalizeH="0" baseline="0">
             <a:ln>
               <a:noFill/>
             </a:ln>
@@ -8912,7 +9318,7 @@
           <a:buFontTx/>
           <a:buNone/>
           <a:tabLst/>
-          <a:defRPr b="0" baseline="0" cap="none" i="0" spc="0" strike="noStrike" sz="1800" u="none" kumimoji="0" normalizeH="0">
+          <a:defRPr kumimoji="0" sz="1800" b="0" i="0" u="none" strike="noStrike" cap="none" spc="0" normalizeH="0" baseline="0">
             <a:ln>
               <a:noFill/>
             </a:ln>
@@ -8925,12 +9331,19 @@
         </a:lvl9pPr>
       </a:lstStyle>
       <a:style>
-        <a:lnRef idx="0"/>
-        <a:fillRef idx="0"/>
-        <a:effectRef idx="0"/>
+        <a:lnRef idx="0">
+          <a:scrgbClr r="0" g="0" b="0"/>
+        </a:lnRef>
+        <a:fillRef idx="0">
+          <a:scrgbClr r="0" g="0" b="0"/>
+        </a:fillRef>
+        <a:effectRef idx="0">
+          <a:scrgbClr r="0" g="0" b="0"/>
+        </a:effectRef>
         <a:fontRef idx="none"/>
       </a:style>
     </a:txDef>
   </a:objectDefaults>
+  <a:extraClrSchemeLst/>
 </a:theme>
 </file>